--- a/Presentation/SQL Vulnerability after 4-1 mid.pptx
+++ b/Presentation/SQL Vulnerability after 4-1 mid.pptx
@@ -5,19 +5,27 @@
     <p:sldMasterId id="2147483648" r:id="rId4"/>
   </p:sldMasterIdLst>
   <p:notesMasterIdLst>
-    <p:notesMasterId r:id="rId12"/>
+    <p:notesMasterId r:id="rId20"/>
   </p:notesMasterIdLst>
   <p:handoutMasterIdLst>
-    <p:handoutMasterId r:id="rId13"/>
+    <p:handoutMasterId r:id="rId21"/>
   </p:handoutMasterIdLst>
   <p:sldIdLst>
     <p:sldId id="256" r:id="rId5"/>
     <p:sldId id="266" r:id="rId6"/>
-    <p:sldId id="270" r:id="rId7"/>
-    <p:sldId id="267" r:id="rId8"/>
-    <p:sldId id="263" r:id="rId9"/>
-    <p:sldId id="262" r:id="rId10"/>
-    <p:sldId id="264" r:id="rId11"/>
+    <p:sldId id="274" r:id="rId7"/>
+    <p:sldId id="275" r:id="rId8"/>
+    <p:sldId id="270" r:id="rId9"/>
+    <p:sldId id="271" r:id="rId10"/>
+    <p:sldId id="272" r:id="rId11"/>
+    <p:sldId id="273" r:id="rId12"/>
+    <p:sldId id="276" r:id="rId13"/>
+    <p:sldId id="277" r:id="rId14"/>
+    <p:sldId id="278" r:id="rId15"/>
+    <p:sldId id="267" r:id="rId16"/>
+    <p:sldId id="263" r:id="rId17"/>
+    <p:sldId id="262" r:id="rId18"/>
+    <p:sldId id="264" r:id="rId19"/>
   </p:sldIdLst>
   <p:sldSz cx="12192000" cy="6858000"/>
   <p:notesSz cx="6858000" cy="9144000"/>
@@ -1056,7 +1064,7 @@
           <a:p>
             <a:fld id="{BC849E9A-41F7-4779-A581-48A7C374A227}" type="slidenum">
               <a:rPr lang="en-US" smtClean="0"/>
-              <a:t>3</a:t>
+              <a:t>5</a:t>
             </a:fld>
             <a:endParaRPr lang="en-US" dirty="0"/>
           </a:p>
@@ -1195,7 +1203,7 @@
           <a:p>
             <a:fld id="{BC849E9A-41F7-4779-A581-48A7C374A227}" type="slidenum">
               <a:rPr lang="en-US" smtClean="0"/>
-              <a:t>4</a:t>
+              <a:t>12</a:t>
             </a:fld>
             <a:endParaRPr lang="en-US" dirty="0"/>
           </a:p>
@@ -1365,7 +1373,7 @@
           <a:p>
             <a:fld id="{BC849E9A-41F7-4779-A581-48A7C374A227}" type="slidenum">
               <a:rPr lang="en-US" smtClean="0"/>
-              <a:t>5</a:t>
+              <a:t>13</a:t>
             </a:fld>
             <a:endParaRPr lang="en-US" dirty="0"/>
           </a:p>
@@ -1845,7 +1853,7 @@
           <a:p>
             <a:fld id="{BC849E9A-41F7-4779-A581-48A7C374A227}" type="slidenum">
               <a:rPr lang="en-US" smtClean="0"/>
-              <a:t>6</a:t>
+              <a:t>14</a:t>
             </a:fld>
             <a:endParaRPr lang="en-US" dirty="0"/>
           </a:p>
@@ -2019,7 +2027,7 @@
           <a:p>
             <a:fld id="{BC849E9A-41F7-4779-A581-48A7C374A227}" type="slidenum">
               <a:rPr lang="en-US" smtClean="0"/>
-              <a:t>7</a:t>
+              <a:t>15</a:t>
             </a:fld>
             <a:endParaRPr lang="en-US" dirty="0"/>
           </a:p>
@@ -5301,7 +5309,7 @@
                 <a:latin typeface="Franklin Gothic Book" panose="020B0503020102020204" pitchFamily="34" charset="0"/>
                 <a:cs typeface="Segoe UI" panose="020B0502040204020203" pitchFamily="34" charset="0"/>
               </a:rPr>
-              <a:t>SQL Vulnerability : Detection and Refactoring </a:t>
+              <a:t>SQL Injection Vulnerability : Detection and Refactoring </a:t>
             </a:r>
           </a:p>
         </p:txBody>
@@ -6752,17 +6760,9 @@
 </p:sld>
 </file>
 
-<file path=ppt/slides/slide2.xml><?xml version="1.0" encoding="utf-8"?>
+<file path=ppt/slides/slide10.xml><?xml version="1.0" encoding="utf-8"?>
 <p:sld xmlns:a="http://schemas.openxmlformats.org/drawingml/2006/main" xmlns:r="http://schemas.openxmlformats.org/officeDocument/2006/relationships" xmlns:p="http://schemas.openxmlformats.org/presentationml/2006/main">
   <p:cSld>
-    <p:bg>
-      <p:bgPr>
-        <a:solidFill>
-          <a:schemeClr val="bg1"/>
-        </a:solidFill>
-        <a:effectLst/>
-      </p:bgPr>
-    </p:bg>
     <p:spTree>
       <p:nvGrpSpPr>
         <p:cNvPr id="1" name=""/>
@@ -6782,7 +6782,7 @@
           <p:cNvPr id="2" name="Title 1">
             <a:extLst>
               <a:ext uri="{FF2B5EF4-FFF2-40B4-BE49-F238E27FC236}">
-                <a16:creationId xmlns:a16="http://schemas.microsoft.com/office/drawing/2014/main" id="{EA0D9B4E-C292-45AA-8116-562703040382}"/>
+                <a16:creationId xmlns:a16="http://schemas.microsoft.com/office/drawing/2014/main" id="{BF8439C0-EEED-49F6-81F5-4281ADEC38C2}"/>
               </a:ext>
             </a:extLst>
           </p:cNvPr>
@@ -6795,162 +6795,130 @@
         </p:nvSpPr>
         <p:spPr>
           <a:xfrm>
-            <a:off x="2257214" y="2694018"/>
-            <a:ext cx="5406902" cy="1469965"/>
+            <a:off x="838200" y="365126"/>
+            <a:ext cx="10515600" cy="724203"/>
           </a:xfrm>
         </p:spPr>
         <p:txBody>
-          <a:bodyPr anchor="ctr">
-            <a:normAutofit fontScale="90000"/>
+          <a:bodyPr/>
+          <a:lstStyle/>
+          <a:p>
+            <a:r>
+              <a:rPr lang="en-US" dirty="0">
+                <a:latin typeface="Franklin Gothic Book" panose="020B0503020102020204" pitchFamily="34" charset="0"/>
+              </a:rPr>
+              <a:t>Types of SQL Injection</a:t>
+            </a:r>
+          </a:p>
+        </p:txBody>
+      </p:sp>
+      <p:sp>
+        <p:nvSpPr>
+          <p:cNvPr id="3" name="Content Placeholder 2">
+            <a:extLst>
+              <a:ext uri="{FF2B5EF4-FFF2-40B4-BE49-F238E27FC236}">
+                <a16:creationId xmlns:a16="http://schemas.microsoft.com/office/drawing/2014/main" id="{53450A49-8B9B-47DA-A813-07A9431609BC}"/>
+              </a:ext>
+            </a:extLst>
+          </p:cNvPr>
+          <p:cNvSpPr>
+            <a:spLocks noGrp="1"/>
+          </p:cNvSpPr>
+          <p:nvPr>
+            <p:ph idx="1"/>
+          </p:nvPr>
+        </p:nvSpPr>
+        <p:spPr>
+          <a:xfrm>
+            <a:off x="838200" y="1375576"/>
+            <a:ext cx="10515600" cy="4801387"/>
+          </a:xfrm>
+        </p:spPr>
+        <p:txBody>
+          <a:bodyPr>
+            <a:noAutofit/>
           </a:bodyPr>
           <a:lstStyle/>
           <a:p>
+            <a:pPr marL="514350" indent="-514350">
+              <a:buFont typeface="+mj-lt"/>
+              <a:buAutoNum type="arabicPeriod" startAt="2"/>
+            </a:pPr>
+            <a:r>
+              <a:rPr lang="en-US" b="1" dirty="0"/>
+              <a:t>Inferential </a:t>
+            </a:r>
+            <a:r>
+              <a:rPr lang="en-US" b="1" dirty="0" err="1"/>
+              <a:t>SQLi</a:t>
+            </a:r>
+            <a:r>
+              <a:rPr lang="en-US" dirty="0"/>
+              <a:t> : In an inferential </a:t>
+            </a:r>
+            <a:r>
+              <a:rPr lang="en-US" dirty="0" err="1"/>
+              <a:t>SQLi</a:t>
+            </a:r>
+            <a:r>
+              <a:rPr lang="en-US" dirty="0"/>
+              <a:t> attack, an attacker is able to reconstruct the database structure by sending payloads, observing the web application’s response and the resulting behavior of the database server.</a:t>
+            </a:r>
+          </a:p>
+          <a:p>
+            <a:pPr marL="1028700" lvl="1" indent="-571500">
+              <a:buFont typeface="+mj-lt"/>
+              <a:buAutoNum type="romanUcPeriod"/>
+            </a:pPr>
+            <a:r>
+              <a:rPr lang="en-US" sz="2800" b="1" dirty="0"/>
+              <a:t>Boolean-based (content-based) Blind </a:t>
+            </a:r>
+            <a:r>
+              <a:rPr lang="en-US" sz="2800" b="1" dirty="0" err="1"/>
+              <a:t>SQLi</a:t>
+            </a:r>
+            <a:r>
+              <a:rPr lang="en-US" sz="2800" b="1" dirty="0"/>
+              <a:t> </a:t>
+            </a:r>
+            <a:r>
+              <a:rPr lang="en-US" sz="2800" dirty="0"/>
+              <a:t>: Boolean-based SQL Injection relies on sending an SQL query to the database which forces the application to return a different result depending on whether the query returns a TRUE or FALSE result.</a:t>
+            </a:r>
+          </a:p>
+          <a:p>
+            <a:pPr marL="971550" lvl="1" indent="-514350">
+              <a:buFont typeface="+mj-lt"/>
+              <a:buAutoNum type="romanUcPeriod"/>
+            </a:pPr>
+            <a:r>
+              <a:rPr lang="en-US" sz="2800" b="1" dirty="0"/>
+              <a:t>Time-based Blind </a:t>
+            </a:r>
+            <a:r>
+              <a:rPr lang="en-US" sz="2800" b="1" dirty="0" err="1"/>
+              <a:t>SQLi</a:t>
+            </a:r>
+            <a:r>
+              <a:rPr lang="en-US" sz="2800" b="1" dirty="0"/>
+              <a:t> </a:t>
+            </a:r>
+            <a:r>
+              <a:rPr lang="en-US" sz="2800" dirty="0"/>
+              <a:t>: Time-based SQL Injection relies on sending an SQL query to the database which forces the database to wait for a specified amount of time (in seconds) before responding.</a:t>
+            </a:r>
             <a:br>
-              <a:rPr lang="en-US" dirty="0">
-                <a:latin typeface="Franklin Gothic Book" panose="020B0503020102020204" pitchFamily="34" charset="0"/>
-              </a:rPr>
+              <a:rPr lang="en-US" sz="2800" dirty="0"/>
             </a:br>
-            <a:br>
-              <a:rPr lang="en-US" dirty="0">
-                <a:latin typeface="Franklin Gothic Book" panose="020B0503020102020204" pitchFamily="34" charset="0"/>
-              </a:rPr>
-            </a:br>
-            <a:br>
-              <a:rPr lang="en-US" dirty="0">
-                <a:latin typeface="Franklin Gothic Book" panose="020B0503020102020204" pitchFamily="34" charset="0"/>
-              </a:rPr>
-            </a:br>
-            <a:r>
-              <a:rPr lang="en-US" dirty="0">
-                <a:latin typeface="Franklin Gothic Book" panose="020B0503020102020204" pitchFamily="34" charset="0"/>
-              </a:rPr>
-              <a:t>Problem description </a:t>
-            </a:r>
-            <a:br>
-              <a:rPr lang="en-US" dirty="0">
-                <a:latin typeface="Franklin Gothic Book" panose="020B0503020102020204" pitchFamily="34" charset="0"/>
-              </a:rPr>
-            </a:br>
-            <a:r>
-              <a:rPr lang="en-US" dirty="0">
-                <a:latin typeface="Franklin Gothic Book" panose="020B0503020102020204" pitchFamily="34" charset="0"/>
-              </a:rPr>
-              <a:t>and objective</a:t>
-            </a:r>
-            <a:br>
-              <a:rPr lang="en-US" dirty="0">
-                <a:latin typeface="Franklin Gothic Book" panose="020B0503020102020204" pitchFamily="34" charset="0"/>
-              </a:rPr>
-            </a:br>
-            <a:br>
-              <a:rPr lang="en-US" dirty="0">
-                <a:latin typeface="Franklin Gothic Book" panose="020B0503020102020204" pitchFamily="34" charset="0"/>
-              </a:rPr>
-            </a:br>
-            <a:br>
-              <a:rPr lang="en-US" dirty="0">
-                <a:latin typeface="Franklin Gothic Book" panose="020B0503020102020204" pitchFamily="34" charset="0"/>
-              </a:rPr>
-            </a:br>
-            <a:endParaRPr lang="en-US" dirty="0">
-              <a:latin typeface="Franklin Gothic Book" panose="020B0503020102020204" pitchFamily="34" charset="0"/>
-              <a:cs typeface="Segoe UI" panose="020B0502040204020203" pitchFamily="34" charset="0"/>
-            </a:endParaRPr>
+            <a:endParaRPr lang="en-US" sz="2800" dirty="0"/>
           </a:p>
         </p:txBody>
       </p:sp>
-      <p:pic>
-        <p:nvPicPr>
-          <p:cNvPr id="5" name="Graphic 4" descr="Open Book">
-            <a:extLst>
-              <a:ext uri="{FF2B5EF4-FFF2-40B4-BE49-F238E27FC236}">
-                <a16:creationId xmlns:a16="http://schemas.microsoft.com/office/drawing/2014/main" id="{DEFE964D-9F1C-4F69-ADD3-0E1AB324E198}"/>
-              </a:ext>
-            </a:extLst>
-          </p:cNvPr>
-          <p:cNvPicPr>
-            <a:picLocks noChangeAspect="1"/>
-          </p:cNvPicPr>
-          <p:nvPr/>
-        </p:nvPicPr>
-        <p:blipFill>
-          <a:blip r:embed="rId3">
-            <a:extLst>
-              <a:ext uri="{28A0092B-C50C-407E-A947-70E740481C1C}">
-                <a14:useLocalDpi xmlns:a14="http://schemas.microsoft.com/office/drawing/2010/main" val="0"/>
-              </a:ext>
-              <a:ext uri="{96DAC541-7B7A-43D3-8B79-37D633B846F1}">
-                <asvg:svgBlip xmlns:asvg="http://schemas.microsoft.com/office/drawing/2016/SVG/main" r:embed="rId4"/>
-              </a:ext>
-            </a:extLst>
-          </a:blip>
-          <a:stretch>
-            <a:fillRect/>
-          </a:stretch>
-        </p:blipFill>
-        <p:spPr>
-          <a:xfrm>
-            <a:off x="838200" y="2880360"/>
-            <a:ext cx="1097280" cy="1097280"/>
-          </a:xfrm>
-          <a:prstGeom prst="rect">
-            <a:avLst/>
-          </a:prstGeom>
-        </p:spPr>
-      </p:pic>
-      <p:pic>
-        <p:nvPicPr>
-          <p:cNvPr id="9" name="Graphic 8">
-            <a:extLst>
-              <a:ext uri="{FF2B5EF4-FFF2-40B4-BE49-F238E27FC236}">
-                <a16:creationId xmlns:a16="http://schemas.microsoft.com/office/drawing/2014/main" id="{35127EDA-5861-47AB-8729-620CFC7DAC07}"/>
-              </a:ext>
-              <a:ext uri="{C183D7F6-B498-43B3-948B-1728B52AA6E4}">
-                <adec:decorative xmlns:adec="http://schemas.microsoft.com/office/drawing/2017/decorative" val="1"/>
-              </a:ext>
-            </a:extLst>
-          </p:cNvPr>
-          <p:cNvPicPr>
-            <a:picLocks noGrp="1" noRot="1" noChangeAspect="1" noMove="1" noResize="1" noEditPoints="1" noAdjustHandles="1" noChangeArrowheads="1" noChangeShapeType="1" noCrop="1"/>
-          </p:cNvPicPr>
-          <p:nvPr>
-            <p:extLst>
-              <p:ext uri="{386F3935-93C4-4BCD-93E2-E3B085C9AB24}">
-                <p16:designElem xmlns:p16="http://schemas.microsoft.com/office/powerpoint/2015/main" val="1"/>
-              </p:ext>
-            </p:extLst>
-          </p:nvPr>
-        </p:nvPicPr>
-        <p:blipFill>
-          <a:blip r:embed="rId3">
-            <a:alphaModFix amt="15000"/>
-            <a:extLst>
-              <a:ext uri="{28A0092B-C50C-407E-A947-70E740481C1C}">
-                <a14:useLocalDpi xmlns:a14="http://schemas.microsoft.com/office/drawing/2010/main" val="0"/>
-              </a:ext>
-              <a:ext uri="{96DAC541-7B7A-43D3-8B79-37D633B846F1}">
-                <asvg:svgBlip xmlns:asvg="http://schemas.microsoft.com/office/drawing/2016/SVG/main" r:embed="rId5"/>
-              </a:ext>
-            </a:extLst>
-          </a:blip>
-          <a:stretch>
-            <a:fillRect/>
-          </a:stretch>
-        </p:blipFill>
-        <p:spPr>
-          <a:xfrm>
-            <a:off x="6641431" y="816337"/>
-            <a:ext cx="5225327" cy="5225327"/>
-          </a:xfrm>
-          <a:prstGeom prst="rect">
-            <a:avLst/>
-          </a:prstGeom>
-        </p:spPr>
-      </p:pic>
     </p:spTree>
     <p:extLst>
       <p:ext uri="{BB962C8B-B14F-4D97-AF65-F5344CB8AC3E}">
-        <p14:creationId xmlns:p14="http://schemas.microsoft.com/office/powerpoint/2010/main" val="381659708"/>
+        <p14:creationId xmlns:p14="http://schemas.microsoft.com/office/powerpoint/2010/main" val="2135422412"/>
       </p:ext>
     </p:extLst>
   </p:cSld>
@@ -6960,17 +6928,9 @@
 </p:sld>
 </file>
 
-<file path=ppt/slides/slide3.xml><?xml version="1.0" encoding="utf-8"?>
+<file path=ppt/slides/slide11.xml><?xml version="1.0" encoding="utf-8"?>
 <p:sld xmlns:a="http://schemas.openxmlformats.org/drawingml/2006/main" xmlns:r="http://schemas.openxmlformats.org/officeDocument/2006/relationships" xmlns:p="http://schemas.openxmlformats.org/presentationml/2006/main">
   <p:cSld>
-    <p:bg>
-      <p:bgPr>
-        <a:solidFill>
-          <a:schemeClr val="bg1"/>
-        </a:solidFill>
-        <a:effectLst/>
-      </p:bgPr>
-    </p:bg>
     <p:spTree>
       <p:nvGrpSpPr>
         <p:cNvPr id="1" name=""/>
@@ -6990,7 +6950,7 @@
           <p:cNvPr id="2" name="Title 1">
             <a:extLst>
               <a:ext uri="{FF2B5EF4-FFF2-40B4-BE49-F238E27FC236}">
-                <a16:creationId xmlns:a16="http://schemas.microsoft.com/office/drawing/2014/main" id="{0FDE5079-B185-4DE0-AF2C-AE4B7709FBC3}"/>
+                <a16:creationId xmlns:a16="http://schemas.microsoft.com/office/drawing/2014/main" id="{BF8439C0-EEED-49F6-81F5-4281ADEC38C2}"/>
               </a:ext>
             </a:extLst>
           </p:cNvPr>
@@ -7003,121 +6963,79 @@
         </p:nvSpPr>
         <p:spPr>
           <a:xfrm>
-            <a:off x="2257214" y="2694018"/>
-            <a:ext cx="5406902" cy="1469965"/>
+            <a:off x="838200" y="365126"/>
+            <a:ext cx="10515600" cy="724203"/>
           </a:xfrm>
         </p:spPr>
         <p:txBody>
-          <a:bodyPr anchor="ctr">
-            <a:normAutofit/>
+          <a:bodyPr/>
+          <a:lstStyle/>
+          <a:p>
+            <a:r>
+              <a:rPr lang="en-US" dirty="0">
+                <a:latin typeface="Franklin Gothic Book" panose="020B0503020102020204" pitchFamily="34" charset="0"/>
+              </a:rPr>
+              <a:t>Types of SQL Injection</a:t>
+            </a:r>
+          </a:p>
+        </p:txBody>
+      </p:sp>
+      <p:sp>
+        <p:nvSpPr>
+          <p:cNvPr id="3" name="Content Placeholder 2">
+            <a:extLst>
+              <a:ext uri="{FF2B5EF4-FFF2-40B4-BE49-F238E27FC236}">
+                <a16:creationId xmlns:a16="http://schemas.microsoft.com/office/drawing/2014/main" id="{53450A49-8B9B-47DA-A813-07A9431609BC}"/>
+              </a:ext>
+            </a:extLst>
+          </p:cNvPr>
+          <p:cNvSpPr>
+            <a:spLocks noGrp="1"/>
+          </p:cNvSpPr>
+          <p:nvPr>
+            <p:ph idx="1"/>
+          </p:nvPr>
+        </p:nvSpPr>
+        <p:spPr>
+          <a:xfrm>
+            <a:off x="838200" y="1375576"/>
+            <a:ext cx="10515600" cy="4801387"/>
+          </a:xfrm>
+        </p:spPr>
+        <p:txBody>
+          <a:bodyPr>
+            <a:noAutofit/>
           </a:bodyPr>
           <a:lstStyle/>
           <a:p>
-            <a:r>
-              <a:rPr lang="en-US" dirty="0">
-                <a:latin typeface="Franklin Gothic Book" panose="020B0503020102020204" pitchFamily="34" charset="0"/>
-              </a:rPr>
-              <a:t>State of the art literature</a:t>
-            </a:r>
-            <a:endParaRPr lang="en-US" dirty="0">
-              <a:latin typeface="Franklin Gothic Book" panose="020B0503020102020204" pitchFamily="34" charset="0"/>
-              <a:cs typeface="Segoe UI" panose="020B0502040204020203" pitchFamily="34" charset="0"/>
-            </a:endParaRPr>
+            <a:pPr marL="514350" indent="-514350">
+              <a:buFont typeface="+mj-lt"/>
+              <a:buAutoNum type="arabicPeriod" startAt="3"/>
+            </a:pPr>
+            <a:r>
+              <a:rPr lang="en-US" b="1" dirty="0"/>
+              <a:t>Out-of-band </a:t>
+            </a:r>
+            <a:r>
+              <a:rPr lang="en-US" b="1" dirty="0" err="1"/>
+              <a:t>SQLi</a:t>
+            </a:r>
+            <a:r>
+              <a:rPr lang="en-US" b="1" dirty="0"/>
+              <a:t> : </a:t>
+            </a:r>
+            <a:r>
+              <a:rPr lang="en-US" dirty="0"/>
+              <a:t>Out-of-band techniques, offer an attacker an alternative to inferential time-based techniques, especially if the server responses are not very stable (making an inferential time-based attack unreliable).</a:t>
+            </a:r>
+            <a:endParaRPr lang="en-US" b="1" dirty="0"/>
           </a:p>
         </p:txBody>
       </p:sp>
-      <p:pic>
-        <p:nvPicPr>
-          <p:cNvPr id="4" name="Content Placeholder 4" descr="Scales of Justice">
-            <a:extLst>
-              <a:ext uri="{FF2B5EF4-FFF2-40B4-BE49-F238E27FC236}">
-                <a16:creationId xmlns:a16="http://schemas.microsoft.com/office/drawing/2014/main" id="{53025FED-9BCD-4BE9-B74C-707E5FD74028}"/>
-              </a:ext>
-            </a:extLst>
-          </p:cNvPr>
-          <p:cNvPicPr>
-            <a:picLocks noChangeAspect="1"/>
-          </p:cNvPicPr>
-          <p:nvPr/>
-        </p:nvPicPr>
-        <p:blipFill>
-          <a:blip r:embed="rId3">
-            <a:extLst>
-              <a:ext uri="{28A0092B-C50C-407E-A947-70E740481C1C}">
-                <a14:useLocalDpi xmlns:a14="http://schemas.microsoft.com/office/drawing/2010/main" val="0"/>
-              </a:ext>
-              <a:ext uri="{96DAC541-7B7A-43D3-8B79-37D633B846F1}">
-                <asvg:svgBlip xmlns:asvg="http://schemas.microsoft.com/office/drawing/2016/SVG/main" r:embed="rId4"/>
-              </a:ext>
-            </a:extLst>
-          </a:blip>
-          <a:stretch>
-            <a:fillRect/>
-          </a:stretch>
-        </p:blipFill>
-        <p:spPr>
-          <a:xfrm>
-            <a:off x="838200" y="2880360"/>
-            <a:ext cx="1097280" cy="1097280"/>
-          </a:xfrm>
-          <a:prstGeom prst="rect">
-            <a:avLst/>
-          </a:prstGeom>
-        </p:spPr>
-      </p:pic>
-      <p:pic>
-        <p:nvPicPr>
-          <p:cNvPr id="8" name="Content Placeholder 4">
-            <a:extLst>
-              <a:ext uri="{FF2B5EF4-FFF2-40B4-BE49-F238E27FC236}">
-                <a16:creationId xmlns:a16="http://schemas.microsoft.com/office/drawing/2014/main" id="{17062073-5027-4AA3-AB16-4D2C8C505AFD}"/>
-              </a:ext>
-              <a:ext uri="{C183D7F6-B498-43B3-948B-1728B52AA6E4}">
-                <adec:decorative xmlns:adec="http://schemas.microsoft.com/office/drawing/2017/decorative" val="1"/>
-              </a:ext>
-            </a:extLst>
-          </p:cNvPr>
-          <p:cNvPicPr>
-            <a:picLocks noGrp="1" noRot="1" noChangeAspect="1" noMove="1" noResize="1" noEditPoints="1" noAdjustHandles="1" noChangeArrowheads="1" noChangeShapeType="1" noCrop="1"/>
-          </p:cNvPicPr>
-          <p:nvPr>
-            <p:extLst>
-              <p:ext uri="{386F3935-93C4-4BCD-93E2-E3B085C9AB24}">
-                <p16:designElem xmlns:p16="http://schemas.microsoft.com/office/powerpoint/2015/main" val="1"/>
-              </p:ext>
-            </p:extLst>
-          </p:nvPr>
-        </p:nvPicPr>
-        <p:blipFill>
-          <a:blip r:embed="rId3">
-            <a:alphaModFix amt="15000"/>
-            <a:extLst>
-              <a:ext uri="{28A0092B-C50C-407E-A947-70E740481C1C}">
-                <a14:useLocalDpi xmlns:a14="http://schemas.microsoft.com/office/drawing/2010/main" val="0"/>
-              </a:ext>
-              <a:ext uri="{96DAC541-7B7A-43D3-8B79-37D633B846F1}">
-                <asvg:svgBlip xmlns:asvg="http://schemas.microsoft.com/office/drawing/2016/SVG/main" r:embed="rId5"/>
-              </a:ext>
-            </a:extLst>
-          </a:blip>
-          <a:stretch>
-            <a:fillRect/>
-          </a:stretch>
-        </p:blipFill>
-        <p:spPr>
-          <a:xfrm>
-            <a:off x="6641431" y="816337"/>
-            <a:ext cx="5225327" cy="5225327"/>
-          </a:xfrm>
-          <a:prstGeom prst="rect">
-            <a:avLst/>
-          </a:prstGeom>
-        </p:spPr>
-      </p:pic>
     </p:spTree>
     <p:extLst>
       <p:ext uri="{BB962C8B-B14F-4D97-AF65-F5344CB8AC3E}">
-        <p14:creationId xmlns:p14="http://schemas.microsoft.com/office/powerpoint/2010/main" val="882630486"/>
+        <p14:creationId xmlns:p14="http://schemas.microsoft.com/office/powerpoint/2010/main" val="2149488660"/>
       </p:ext>
     </p:extLst>
   </p:cSld>
@@ -7127,7 +7045,7 @@
 </p:sld>
 </file>
 
-<file path=ppt/slides/slide4.xml><?xml version="1.0" encoding="utf-8"?>
+<file path=ppt/slides/slide12.xml><?xml version="1.0" encoding="utf-8"?>
 <p:sld xmlns:a="http://schemas.openxmlformats.org/drawingml/2006/main" xmlns:r="http://schemas.openxmlformats.org/officeDocument/2006/relationships" xmlns:p="http://schemas.openxmlformats.org/presentationml/2006/main">
   <p:cSld>
     <p:bg>
@@ -7294,7 +7212,7 @@
 </p:sld>
 </file>
 
-<file path=ppt/slides/slide5.xml><?xml version="1.0" encoding="utf-8"?>
+<file path=ppt/slides/slide13.xml><?xml version="1.0" encoding="utf-8"?>
 <p:sld xmlns:a="http://schemas.openxmlformats.org/drawingml/2006/main" xmlns:r="http://schemas.openxmlformats.org/officeDocument/2006/relationships" xmlns:p="http://schemas.openxmlformats.org/presentationml/2006/main">
   <p:cSld>
     <p:bg>
@@ -7461,7 +7379,7 @@
 </p:sld>
 </file>
 
-<file path=ppt/slides/slide6.xml><?xml version="1.0" encoding="utf-8"?>
+<file path=ppt/slides/slide14.xml><?xml version="1.0" encoding="utf-8"?>
 <p:sld xmlns:a="http://schemas.openxmlformats.org/drawingml/2006/main" xmlns:r="http://schemas.openxmlformats.org/officeDocument/2006/relationships" xmlns:p="http://schemas.openxmlformats.org/presentationml/2006/main">
   <p:cSld>
     <p:bg>
@@ -7628,7 +7546,7 @@
 </p:sld>
 </file>
 
-<file path=ppt/slides/slide7.xml><?xml version="1.0" encoding="utf-8"?>
+<file path=ppt/slides/slide15.xml><?xml version="1.0" encoding="utf-8"?>
 <p:sld xmlns:a="http://schemas.openxmlformats.org/drawingml/2006/main" xmlns:r="http://schemas.openxmlformats.org/officeDocument/2006/relationships" xmlns:p="http://schemas.openxmlformats.org/presentationml/2006/main">
   <p:cSld>
     <p:bg>
@@ -8416,6 +8334,3007 @@
       </p:par>
     </p:tnLst>
   </p:timing>
+</p:sld>
+</file>
+
+<file path=ppt/slides/slide2.xml><?xml version="1.0" encoding="utf-8"?>
+<p:sld xmlns:a="http://schemas.openxmlformats.org/drawingml/2006/main" xmlns:r="http://schemas.openxmlformats.org/officeDocument/2006/relationships" xmlns:p="http://schemas.openxmlformats.org/presentationml/2006/main">
+  <p:cSld>
+    <p:bg>
+      <p:bgPr>
+        <a:solidFill>
+          <a:schemeClr val="bg1"/>
+        </a:solidFill>
+        <a:effectLst/>
+      </p:bgPr>
+    </p:bg>
+    <p:spTree>
+      <p:nvGrpSpPr>
+        <p:cNvPr id="1" name=""/>
+        <p:cNvGrpSpPr/>
+        <p:nvPr/>
+      </p:nvGrpSpPr>
+      <p:grpSpPr>
+        <a:xfrm>
+          <a:off x="0" y="0"/>
+          <a:ext cx="0" cy="0"/>
+          <a:chOff x="0" y="0"/>
+          <a:chExt cx="0" cy="0"/>
+        </a:xfrm>
+      </p:grpSpPr>
+      <p:sp>
+        <p:nvSpPr>
+          <p:cNvPr id="2" name="Title 1">
+            <a:extLst>
+              <a:ext uri="{FF2B5EF4-FFF2-40B4-BE49-F238E27FC236}">
+                <a16:creationId xmlns:a16="http://schemas.microsoft.com/office/drawing/2014/main" id="{EA0D9B4E-C292-45AA-8116-562703040382}"/>
+              </a:ext>
+            </a:extLst>
+          </p:cNvPr>
+          <p:cNvSpPr>
+            <a:spLocks noGrp="1"/>
+          </p:cNvSpPr>
+          <p:nvPr>
+            <p:ph type="title"/>
+          </p:nvPr>
+        </p:nvSpPr>
+        <p:spPr>
+          <a:xfrm>
+            <a:off x="2257214" y="2694018"/>
+            <a:ext cx="5406902" cy="1469965"/>
+          </a:xfrm>
+        </p:spPr>
+        <p:txBody>
+          <a:bodyPr anchor="ctr">
+            <a:normAutofit fontScale="90000"/>
+          </a:bodyPr>
+          <a:lstStyle/>
+          <a:p>
+            <a:br>
+              <a:rPr lang="en-US" dirty="0">
+                <a:latin typeface="Franklin Gothic Book" panose="020B0503020102020204" pitchFamily="34" charset="0"/>
+              </a:rPr>
+            </a:br>
+            <a:br>
+              <a:rPr lang="en-US" dirty="0">
+                <a:latin typeface="Franklin Gothic Book" panose="020B0503020102020204" pitchFamily="34" charset="0"/>
+              </a:rPr>
+            </a:br>
+            <a:br>
+              <a:rPr lang="en-US" dirty="0">
+                <a:latin typeface="Franklin Gothic Book" panose="020B0503020102020204" pitchFamily="34" charset="0"/>
+              </a:rPr>
+            </a:br>
+            <a:r>
+              <a:rPr lang="en-US" dirty="0">
+                <a:latin typeface="Franklin Gothic Book" panose="020B0503020102020204" pitchFamily="34" charset="0"/>
+              </a:rPr>
+              <a:t>Problem description </a:t>
+            </a:r>
+            <a:br>
+              <a:rPr lang="en-US" dirty="0">
+                <a:latin typeface="Franklin Gothic Book" panose="020B0503020102020204" pitchFamily="34" charset="0"/>
+              </a:rPr>
+            </a:br>
+            <a:r>
+              <a:rPr lang="en-US" dirty="0">
+                <a:latin typeface="Franklin Gothic Book" panose="020B0503020102020204" pitchFamily="34" charset="0"/>
+              </a:rPr>
+              <a:t>and objective</a:t>
+            </a:r>
+            <a:br>
+              <a:rPr lang="en-US" dirty="0">
+                <a:latin typeface="Franklin Gothic Book" panose="020B0503020102020204" pitchFamily="34" charset="0"/>
+              </a:rPr>
+            </a:br>
+            <a:br>
+              <a:rPr lang="en-US" dirty="0">
+                <a:latin typeface="Franklin Gothic Book" panose="020B0503020102020204" pitchFamily="34" charset="0"/>
+              </a:rPr>
+            </a:br>
+            <a:br>
+              <a:rPr lang="en-US" dirty="0">
+                <a:latin typeface="Franklin Gothic Book" panose="020B0503020102020204" pitchFamily="34" charset="0"/>
+              </a:rPr>
+            </a:br>
+            <a:endParaRPr lang="en-US" dirty="0">
+              <a:latin typeface="Franklin Gothic Book" panose="020B0503020102020204" pitchFamily="34" charset="0"/>
+              <a:cs typeface="Segoe UI" panose="020B0502040204020203" pitchFamily="34" charset="0"/>
+            </a:endParaRPr>
+          </a:p>
+        </p:txBody>
+      </p:sp>
+      <p:pic>
+        <p:nvPicPr>
+          <p:cNvPr id="5" name="Graphic 4" descr="Open Book">
+            <a:extLst>
+              <a:ext uri="{FF2B5EF4-FFF2-40B4-BE49-F238E27FC236}">
+                <a16:creationId xmlns:a16="http://schemas.microsoft.com/office/drawing/2014/main" id="{DEFE964D-9F1C-4F69-ADD3-0E1AB324E198}"/>
+              </a:ext>
+            </a:extLst>
+          </p:cNvPr>
+          <p:cNvPicPr>
+            <a:picLocks noChangeAspect="1"/>
+          </p:cNvPicPr>
+          <p:nvPr/>
+        </p:nvPicPr>
+        <p:blipFill>
+          <a:blip r:embed="rId3">
+            <a:extLst>
+              <a:ext uri="{28A0092B-C50C-407E-A947-70E740481C1C}">
+                <a14:useLocalDpi xmlns:a14="http://schemas.microsoft.com/office/drawing/2010/main" val="0"/>
+              </a:ext>
+              <a:ext uri="{96DAC541-7B7A-43D3-8B79-37D633B846F1}">
+                <asvg:svgBlip xmlns:asvg="http://schemas.microsoft.com/office/drawing/2016/SVG/main" r:embed="rId4"/>
+              </a:ext>
+            </a:extLst>
+          </a:blip>
+          <a:stretch>
+            <a:fillRect/>
+          </a:stretch>
+        </p:blipFill>
+        <p:spPr>
+          <a:xfrm>
+            <a:off x="838200" y="2880360"/>
+            <a:ext cx="1097280" cy="1097280"/>
+          </a:xfrm>
+          <a:prstGeom prst="rect">
+            <a:avLst/>
+          </a:prstGeom>
+        </p:spPr>
+      </p:pic>
+      <p:pic>
+        <p:nvPicPr>
+          <p:cNvPr id="9" name="Graphic 8">
+            <a:extLst>
+              <a:ext uri="{FF2B5EF4-FFF2-40B4-BE49-F238E27FC236}">
+                <a16:creationId xmlns:a16="http://schemas.microsoft.com/office/drawing/2014/main" id="{35127EDA-5861-47AB-8729-620CFC7DAC07}"/>
+              </a:ext>
+              <a:ext uri="{C183D7F6-B498-43B3-948B-1728B52AA6E4}">
+                <adec:decorative xmlns:adec="http://schemas.microsoft.com/office/drawing/2017/decorative" val="1"/>
+              </a:ext>
+            </a:extLst>
+          </p:cNvPr>
+          <p:cNvPicPr>
+            <a:picLocks noGrp="1" noRot="1" noChangeAspect="1" noMove="1" noResize="1" noEditPoints="1" noAdjustHandles="1" noChangeArrowheads="1" noChangeShapeType="1" noCrop="1"/>
+          </p:cNvPicPr>
+          <p:nvPr>
+            <p:extLst>
+              <p:ext uri="{386F3935-93C4-4BCD-93E2-E3B085C9AB24}">
+                <p16:designElem xmlns:p16="http://schemas.microsoft.com/office/powerpoint/2015/main" val="1"/>
+              </p:ext>
+            </p:extLst>
+          </p:nvPr>
+        </p:nvPicPr>
+        <p:blipFill>
+          <a:blip r:embed="rId3">
+            <a:alphaModFix amt="15000"/>
+            <a:extLst>
+              <a:ext uri="{28A0092B-C50C-407E-A947-70E740481C1C}">
+                <a14:useLocalDpi xmlns:a14="http://schemas.microsoft.com/office/drawing/2010/main" val="0"/>
+              </a:ext>
+              <a:ext uri="{96DAC541-7B7A-43D3-8B79-37D633B846F1}">
+                <asvg:svgBlip xmlns:asvg="http://schemas.microsoft.com/office/drawing/2016/SVG/main" r:embed="rId5"/>
+              </a:ext>
+            </a:extLst>
+          </a:blip>
+          <a:stretch>
+            <a:fillRect/>
+          </a:stretch>
+        </p:blipFill>
+        <p:spPr>
+          <a:xfrm>
+            <a:off x="6641431" y="816337"/>
+            <a:ext cx="5225327" cy="5225327"/>
+          </a:xfrm>
+          <a:prstGeom prst="rect">
+            <a:avLst/>
+          </a:prstGeom>
+        </p:spPr>
+      </p:pic>
+    </p:spTree>
+    <p:extLst>
+      <p:ext uri="{BB962C8B-B14F-4D97-AF65-F5344CB8AC3E}">
+        <p14:creationId xmlns:p14="http://schemas.microsoft.com/office/powerpoint/2010/main" val="381659708"/>
+      </p:ext>
+    </p:extLst>
+  </p:cSld>
+  <p:clrMapOvr>
+    <a:masterClrMapping/>
+  </p:clrMapOvr>
+</p:sld>
+</file>
+
+<file path=ppt/slides/slide3.xml><?xml version="1.0" encoding="utf-8"?>
+<p:sld xmlns:a="http://schemas.openxmlformats.org/drawingml/2006/main" xmlns:r="http://schemas.openxmlformats.org/officeDocument/2006/relationships" xmlns:p="http://schemas.openxmlformats.org/presentationml/2006/main">
+  <p:cSld>
+    <p:spTree>
+      <p:nvGrpSpPr>
+        <p:cNvPr id="1" name=""/>
+        <p:cNvGrpSpPr/>
+        <p:nvPr/>
+      </p:nvGrpSpPr>
+      <p:grpSpPr>
+        <a:xfrm>
+          <a:off x="0" y="0"/>
+          <a:ext cx="0" cy="0"/>
+          <a:chOff x="0" y="0"/>
+          <a:chExt cx="0" cy="0"/>
+        </a:xfrm>
+      </p:grpSpPr>
+      <p:sp>
+        <p:nvSpPr>
+          <p:cNvPr id="2" name="Title 1">
+            <a:extLst>
+              <a:ext uri="{FF2B5EF4-FFF2-40B4-BE49-F238E27FC236}">
+                <a16:creationId xmlns:a16="http://schemas.microsoft.com/office/drawing/2014/main" id="{E93CA3FE-BA0C-4288-A8BF-E8830D37F026}"/>
+              </a:ext>
+            </a:extLst>
+          </p:cNvPr>
+          <p:cNvSpPr>
+            <a:spLocks noGrp="1"/>
+          </p:cNvSpPr>
+          <p:nvPr>
+            <p:ph type="title"/>
+          </p:nvPr>
+        </p:nvSpPr>
+        <p:spPr>
+          <a:xfrm>
+            <a:off x="838200" y="365126"/>
+            <a:ext cx="10515600" cy="811668"/>
+          </a:xfrm>
+        </p:spPr>
+        <p:txBody>
+          <a:bodyPr/>
+          <a:lstStyle/>
+          <a:p>
+            <a:r>
+              <a:rPr lang="en-US" dirty="0">
+                <a:latin typeface="Franklin Gothic Book" panose="020B0503020102020204" pitchFamily="34" charset="0"/>
+              </a:rPr>
+              <a:t>Problem Description</a:t>
+            </a:r>
+          </a:p>
+        </p:txBody>
+      </p:sp>
+      <p:sp>
+        <p:nvSpPr>
+          <p:cNvPr id="3" name="Content Placeholder 2">
+            <a:extLst>
+              <a:ext uri="{FF2B5EF4-FFF2-40B4-BE49-F238E27FC236}">
+                <a16:creationId xmlns:a16="http://schemas.microsoft.com/office/drawing/2014/main" id="{13661D3B-4E5A-40D8-AB9C-21489FE79819}"/>
+              </a:ext>
+            </a:extLst>
+          </p:cNvPr>
+          <p:cNvSpPr>
+            <a:spLocks noGrp="1"/>
+          </p:cNvSpPr>
+          <p:nvPr>
+            <p:ph idx="1"/>
+          </p:nvPr>
+        </p:nvSpPr>
+        <p:spPr>
+          <a:xfrm>
+            <a:off x="838200" y="1841930"/>
+            <a:ext cx="10515600" cy="4137452"/>
+          </a:xfrm>
+        </p:spPr>
+        <p:txBody>
+          <a:bodyPr>
+            <a:normAutofit/>
+          </a:bodyPr>
+          <a:lstStyle/>
+          <a:p>
+            <a:r>
+              <a:rPr lang="en-US" dirty="0"/>
+              <a:t>In this problem , we are going to deal with SQL(Structured Query Language) injection vulnerability</a:t>
+            </a:r>
+          </a:p>
+          <a:p>
+            <a:r>
+              <a:rPr lang="en-US" dirty="0"/>
+              <a:t>There are many existing java codes which are using JDBC(Java Database Connectivity) , an application programming interface (API) to connect database from java code</a:t>
+            </a:r>
+          </a:p>
+          <a:p>
+            <a:r>
+              <a:rPr lang="en-US" dirty="0"/>
+              <a:t>In those java codes, programmers unintentionally make mistake which can lead to SQL injection vulnerability</a:t>
+            </a:r>
+          </a:p>
+          <a:p>
+            <a:r>
+              <a:rPr lang="en-US" dirty="0"/>
+              <a:t>Attackers can attack these vulnerabilities to gain access to the database, modify the information of the database</a:t>
+            </a:r>
+          </a:p>
+        </p:txBody>
+      </p:sp>
+    </p:spTree>
+    <p:extLst>
+      <p:ext uri="{BB962C8B-B14F-4D97-AF65-F5344CB8AC3E}">
+        <p14:creationId xmlns:p14="http://schemas.microsoft.com/office/powerpoint/2010/main" val="2643472283"/>
+      </p:ext>
+    </p:extLst>
+  </p:cSld>
+  <p:clrMapOvr>
+    <a:masterClrMapping/>
+  </p:clrMapOvr>
+</p:sld>
+</file>
+
+<file path=ppt/slides/slide4.xml><?xml version="1.0" encoding="utf-8"?>
+<p:sld xmlns:a="http://schemas.openxmlformats.org/drawingml/2006/main" xmlns:r="http://schemas.openxmlformats.org/officeDocument/2006/relationships" xmlns:p="http://schemas.openxmlformats.org/presentationml/2006/main">
+  <p:cSld>
+    <p:spTree>
+      <p:nvGrpSpPr>
+        <p:cNvPr id="1" name=""/>
+        <p:cNvGrpSpPr/>
+        <p:nvPr/>
+      </p:nvGrpSpPr>
+      <p:grpSpPr>
+        <a:xfrm>
+          <a:off x="0" y="0"/>
+          <a:ext cx="0" cy="0"/>
+          <a:chOff x="0" y="0"/>
+          <a:chExt cx="0" cy="0"/>
+        </a:xfrm>
+      </p:grpSpPr>
+      <p:sp>
+        <p:nvSpPr>
+          <p:cNvPr id="2" name="Title 1">
+            <a:extLst>
+              <a:ext uri="{FF2B5EF4-FFF2-40B4-BE49-F238E27FC236}">
+                <a16:creationId xmlns:a16="http://schemas.microsoft.com/office/drawing/2014/main" id="{1058F4D1-9B83-4CAE-9CE9-50D650004366}"/>
+              </a:ext>
+            </a:extLst>
+          </p:cNvPr>
+          <p:cNvSpPr>
+            <a:spLocks noGrp="1"/>
+          </p:cNvSpPr>
+          <p:nvPr>
+            <p:ph type="title"/>
+          </p:nvPr>
+        </p:nvSpPr>
+        <p:spPr>
+          <a:xfrm>
+            <a:off x="838200" y="365126"/>
+            <a:ext cx="10515600" cy="748058"/>
+          </a:xfrm>
+        </p:spPr>
+        <p:txBody>
+          <a:bodyPr/>
+          <a:lstStyle/>
+          <a:p>
+            <a:r>
+              <a:rPr lang="en-US" dirty="0">
+                <a:latin typeface="Franklin Gothic Book" panose="020B0503020102020204" pitchFamily="34" charset="0"/>
+              </a:rPr>
+              <a:t>Objective</a:t>
+            </a:r>
+          </a:p>
+        </p:txBody>
+      </p:sp>
+      <p:sp>
+        <p:nvSpPr>
+          <p:cNvPr id="3" name="Content Placeholder 2">
+            <a:extLst>
+              <a:ext uri="{FF2B5EF4-FFF2-40B4-BE49-F238E27FC236}">
+                <a16:creationId xmlns:a16="http://schemas.microsoft.com/office/drawing/2014/main" id="{47C58CED-541A-4E5D-B63F-DC09D0AD8DE9}"/>
+              </a:ext>
+            </a:extLst>
+          </p:cNvPr>
+          <p:cNvSpPr>
+            <a:spLocks noGrp="1"/>
+          </p:cNvSpPr>
+          <p:nvPr>
+            <p:ph idx="1"/>
+          </p:nvPr>
+        </p:nvSpPr>
+        <p:spPr>
+          <a:xfrm>
+            <a:off x="838200" y="2346271"/>
+            <a:ext cx="10515600" cy="3156668"/>
+          </a:xfrm>
+        </p:spPr>
+        <p:txBody>
+          <a:bodyPr/>
+          <a:lstStyle/>
+          <a:p>
+            <a:r>
+              <a:rPr lang="en-US" dirty="0"/>
+              <a:t>Our main goal is to detect the vulnerable SQL query in java code using JDBC</a:t>
+            </a:r>
+          </a:p>
+          <a:p>
+            <a:r>
+              <a:rPr lang="en-US" dirty="0"/>
+              <a:t>After detecting the vulnerability , we are going to apply deep learning to train a model</a:t>
+            </a:r>
+          </a:p>
+          <a:p>
+            <a:r>
+              <a:rPr lang="en-US" dirty="0"/>
+              <a:t>The trained model will try to convert vulnerable code to  invulnerable  code which will contain an injection free SQL query</a:t>
+            </a:r>
+          </a:p>
+        </p:txBody>
+      </p:sp>
+    </p:spTree>
+    <p:extLst>
+      <p:ext uri="{BB962C8B-B14F-4D97-AF65-F5344CB8AC3E}">
+        <p14:creationId xmlns:p14="http://schemas.microsoft.com/office/powerpoint/2010/main" val="2412115294"/>
+      </p:ext>
+    </p:extLst>
+  </p:cSld>
+  <p:clrMapOvr>
+    <a:masterClrMapping/>
+  </p:clrMapOvr>
+</p:sld>
+</file>
+
+<file path=ppt/slides/slide5.xml><?xml version="1.0" encoding="utf-8"?>
+<p:sld xmlns:a="http://schemas.openxmlformats.org/drawingml/2006/main" xmlns:r="http://schemas.openxmlformats.org/officeDocument/2006/relationships" xmlns:p="http://schemas.openxmlformats.org/presentationml/2006/main">
+  <p:cSld>
+    <p:bg>
+      <p:bgPr>
+        <a:solidFill>
+          <a:schemeClr val="bg1"/>
+        </a:solidFill>
+        <a:effectLst/>
+      </p:bgPr>
+    </p:bg>
+    <p:spTree>
+      <p:nvGrpSpPr>
+        <p:cNvPr id="1" name=""/>
+        <p:cNvGrpSpPr/>
+        <p:nvPr/>
+      </p:nvGrpSpPr>
+      <p:grpSpPr>
+        <a:xfrm>
+          <a:off x="0" y="0"/>
+          <a:ext cx="0" cy="0"/>
+          <a:chOff x="0" y="0"/>
+          <a:chExt cx="0" cy="0"/>
+        </a:xfrm>
+      </p:grpSpPr>
+      <p:sp>
+        <p:nvSpPr>
+          <p:cNvPr id="2" name="Title 1">
+            <a:extLst>
+              <a:ext uri="{FF2B5EF4-FFF2-40B4-BE49-F238E27FC236}">
+                <a16:creationId xmlns:a16="http://schemas.microsoft.com/office/drawing/2014/main" id="{0FDE5079-B185-4DE0-AF2C-AE4B7709FBC3}"/>
+              </a:ext>
+            </a:extLst>
+          </p:cNvPr>
+          <p:cNvSpPr>
+            <a:spLocks noGrp="1"/>
+          </p:cNvSpPr>
+          <p:nvPr>
+            <p:ph type="title"/>
+          </p:nvPr>
+        </p:nvSpPr>
+        <p:spPr>
+          <a:xfrm>
+            <a:off x="2257214" y="2694018"/>
+            <a:ext cx="5406902" cy="1469965"/>
+          </a:xfrm>
+        </p:spPr>
+        <p:txBody>
+          <a:bodyPr anchor="ctr">
+            <a:normAutofit/>
+          </a:bodyPr>
+          <a:lstStyle/>
+          <a:p>
+            <a:r>
+              <a:rPr lang="en-US" dirty="0">
+                <a:latin typeface="Franklin Gothic Book" panose="020B0503020102020204" pitchFamily="34" charset="0"/>
+              </a:rPr>
+              <a:t>State of the art literature</a:t>
+            </a:r>
+            <a:endParaRPr lang="en-US" dirty="0">
+              <a:latin typeface="Franklin Gothic Book" panose="020B0503020102020204" pitchFamily="34" charset="0"/>
+              <a:cs typeface="Segoe UI" panose="020B0502040204020203" pitchFamily="34" charset="0"/>
+            </a:endParaRPr>
+          </a:p>
+        </p:txBody>
+      </p:sp>
+      <p:pic>
+        <p:nvPicPr>
+          <p:cNvPr id="4" name="Content Placeholder 4" descr="Scales of Justice">
+            <a:extLst>
+              <a:ext uri="{FF2B5EF4-FFF2-40B4-BE49-F238E27FC236}">
+                <a16:creationId xmlns:a16="http://schemas.microsoft.com/office/drawing/2014/main" id="{53025FED-9BCD-4BE9-B74C-707E5FD74028}"/>
+              </a:ext>
+            </a:extLst>
+          </p:cNvPr>
+          <p:cNvPicPr>
+            <a:picLocks noChangeAspect="1"/>
+          </p:cNvPicPr>
+          <p:nvPr/>
+        </p:nvPicPr>
+        <p:blipFill>
+          <a:blip r:embed="rId3">
+            <a:extLst>
+              <a:ext uri="{28A0092B-C50C-407E-A947-70E740481C1C}">
+                <a14:useLocalDpi xmlns:a14="http://schemas.microsoft.com/office/drawing/2010/main" val="0"/>
+              </a:ext>
+              <a:ext uri="{96DAC541-7B7A-43D3-8B79-37D633B846F1}">
+                <asvg:svgBlip xmlns:asvg="http://schemas.microsoft.com/office/drawing/2016/SVG/main" r:embed="rId4"/>
+              </a:ext>
+            </a:extLst>
+          </a:blip>
+          <a:stretch>
+            <a:fillRect/>
+          </a:stretch>
+        </p:blipFill>
+        <p:spPr>
+          <a:xfrm>
+            <a:off x="838200" y="2880360"/>
+            <a:ext cx="1097280" cy="1097280"/>
+          </a:xfrm>
+          <a:prstGeom prst="rect">
+            <a:avLst/>
+          </a:prstGeom>
+        </p:spPr>
+      </p:pic>
+      <p:pic>
+        <p:nvPicPr>
+          <p:cNvPr id="8" name="Content Placeholder 4">
+            <a:extLst>
+              <a:ext uri="{FF2B5EF4-FFF2-40B4-BE49-F238E27FC236}">
+                <a16:creationId xmlns:a16="http://schemas.microsoft.com/office/drawing/2014/main" id="{17062073-5027-4AA3-AB16-4D2C8C505AFD}"/>
+              </a:ext>
+              <a:ext uri="{C183D7F6-B498-43B3-948B-1728B52AA6E4}">
+                <adec:decorative xmlns:adec="http://schemas.microsoft.com/office/drawing/2017/decorative" val="1"/>
+              </a:ext>
+            </a:extLst>
+          </p:cNvPr>
+          <p:cNvPicPr>
+            <a:picLocks noGrp="1" noRot="1" noChangeAspect="1" noMove="1" noResize="1" noEditPoints="1" noAdjustHandles="1" noChangeArrowheads="1" noChangeShapeType="1" noCrop="1"/>
+          </p:cNvPicPr>
+          <p:nvPr>
+            <p:extLst>
+              <p:ext uri="{386F3935-93C4-4BCD-93E2-E3B085C9AB24}">
+                <p16:designElem xmlns:p16="http://schemas.microsoft.com/office/powerpoint/2015/main" val="1"/>
+              </p:ext>
+            </p:extLst>
+          </p:nvPr>
+        </p:nvPicPr>
+        <p:blipFill>
+          <a:blip r:embed="rId3">
+            <a:alphaModFix amt="15000"/>
+            <a:extLst>
+              <a:ext uri="{28A0092B-C50C-407E-A947-70E740481C1C}">
+                <a14:useLocalDpi xmlns:a14="http://schemas.microsoft.com/office/drawing/2010/main" val="0"/>
+              </a:ext>
+              <a:ext uri="{96DAC541-7B7A-43D3-8B79-37D633B846F1}">
+                <asvg:svgBlip xmlns:asvg="http://schemas.microsoft.com/office/drawing/2016/SVG/main" r:embed="rId5"/>
+              </a:ext>
+            </a:extLst>
+          </a:blip>
+          <a:stretch>
+            <a:fillRect/>
+          </a:stretch>
+        </p:blipFill>
+        <p:spPr>
+          <a:xfrm>
+            <a:off x="6641431" y="816337"/>
+            <a:ext cx="5225327" cy="5225327"/>
+          </a:xfrm>
+          <a:prstGeom prst="rect">
+            <a:avLst/>
+          </a:prstGeom>
+        </p:spPr>
+      </p:pic>
+    </p:spTree>
+    <p:extLst>
+      <p:ext uri="{BB962C8B-B14F-4D97-AF65-F5344CB8AC3E}">
+        <p14:creationId xmlns:p14="http://schemas.microsoft.com/office/powerpoint/2010/main" val="882630486"/>
+      </p:ext>
+    </p:extLst>
+  </p:cSld>
+  <p:clrMapOvr>
+    <a:masterClrMapping/>
+  </p:clrMapOvr>
+</p:sld>
+</file>
+
+<file path=ppt/slides/slide6.xml><?xml version="1.0" encoding="utf-8"?>
+<p:sld xmlns:a="http://schemas.openxmlformats.org/drawingml/2006/main" xmlns:r="http://schemas.openxmlformats.org/officeDocument/2006/relationships" xmlns:p="http://schemas.openxmlformats.org/presentationml/2006/main">
+  <p:cSld>
+    <p:spTree>
+      <p:nvGrpSpPr>
+        <p:cNvPr id="1" name=""/>
+        <p:cNvGrpSpPr/>
+        <p:nvPr/>
+      </p:nvGrpSpPr>
+      <p:grpSpPr>
+        <a:xfrm>
+          <a:off x="0" y="0"/>
+          <a:ext cx="0" cy="0"/>
+          <a:chOff x="0" y="0"/>
+          <a:chExt cx="0" cy="0"/>
+        </a:xfrm>
+      </p:grpSpPr>
+      <p:sp>
+        <p:nvSpPr>
+          <p:cNvPr id="2" name="Title 1">
+            <a:extLst>
+              <a:ext uri="{FF2B5EF4-FFF2-40B4-BE49-F238E27FC236}">
+                <a16:creationId xmlns:a16="http://schemas.microsoft.com/office/drawing/2014/main" id="{2CB772DF-EC42-4519-828B-7A576055F23B}"/>
+              </a:ext>
+            </a:extLst>
+          </p:cNvPr>
+          <p:cNvSpPr>
+            <a:spLocks noGrp="1"/>
+          </p:cNvSpPr>
+          <p:nvPr>
+            <p:ph type="title"/>
+          </p:nvPr>
+        </p:nvSpPr>
+        <p:spPr>
+          <a:xfrm>
+            <a:off x="838200" y="365125"/>
+            <a:ext cx="10515600" cy="843473"/>
+          </a:xfrm>
+        </p:spPr>
+        <p:txBody>
+          <a:bodyPr/>
+          <a:lstStyle/>
+          <a:p>
+            <a:r>
+              <a:rPr lang="en-US" dirty="0">
+                <a:latin typeface="Franklin Gothic Book" panose="020B0503020102020204" pitchFamily="34" charset="0"/>
+                <a:cs typeface="Segoe UI" panose="020B0502040204020203" pitchFamily="34" charset="0"/>
+              </a:rPr>
+              <a:t>SQL Injection Vulnerability</a:t>
+            </a:r>
+            <a:endParaRPr lang="en-US" dirty="0"/>
+          </a:p>
+        </p:txBody>
+      </p:sp>
+      <p:sp>
+        <p:nvSpPr>
+          <p:cNvPr id="3" name="Content Placeholder 2">
+            <a:extLst>
+              <a:ext uri="{FF2B5EF4-FFF2-40B4-BE49-F238E27FC236}">
+                <a16:creationId xmlns:a16="http://schemas.microsoft.com/office/drawing/2014/main" id="{99CF3D0D-1861-4968-9EAB-4B8BDD7431B6}"/>
+              </a:ext>
+            </a:extLst>
+          </p:cNvPr>
+          <p:cNvSpPr>
+            <a:spLocks noGrp="1"/>
+          </p:cNvSpPr>
+          <p:nvPr>
+            <p:ph idx="1"/>
+          </p:nvPr>
+        </p:nvSpPr>
+        <p:spPr>
+          <a:xfrm>
+            <a:off x="838200" y="1431235"/>
+            <a:ext cx="10515600" cy="4845519"/>
+          </a:xfrm>
+        </p:spPr>
+        <p:txBody>
+          <a:bodyPr>
+            <a:noAutofit/>
+          </a:bodyPr>
+          <a:lstStyle/>
+          <a:p>
+            <a:r>
+              <a:rPr lang="en-US" dirty="0"/>
+              <a:t>A type of an injection attack that makes it possible to execute malicious SQL statements</a:t>
+            </a:r>
+          </a:p>
+          <a:p>
+            <a:r>
+              <a:rPr lang="en-US" dirty="0"/>
+              <a:t>Use to bypass application security measures, go around authentication and authorization of a web page or web application and retrieve the content of the entire SQL database and  use to add, modify, and delete records in the database</a:t>
+            </a:r>
+          </a:p>
+          <a:p>
+            <a:r>
+              <a:rPr lang="en-US" dirty="0"/>
+              <a:t>one of the oldest, most prevalent, and most dangerous web application vulnerabilities</a:t>
+            </a:r>
+          </a:p>
+          <a:p>
+            <a:r>
+              <a:rPr lang="en-US" dirty="0"/>
+              <a:t>Listed as the number one threat to web application security by The </a:t>
+            </a:r>
+            <a:r>
+              <a:rPr lang="en-US" b="1" dirty="0"/>
+              <a:t>OWASP organization</a:t>
+            </a:r>
+            <a:r>
+              <a:rPr lang="en-US" dirty="0"/>
+              <a:t> (Open Web Application Security Project) in their OWASP Top 10 2017 document</a:t>
+            </a:r>
+          </a:p>
+        </p:txBody>
+      </p:sp>
+    </p:spTree>
+    <p:extLst>
+      <p:ext uri="{BB962C8B-B14F-4D97-AF65-F5344CB8AC3E}">
+        <p14:creationId xmlns:p14="http://schemas.microsoft.com/office/powerpoint/2010/main" val="1376998595"/>
+      </p:ext>
+    </p:extLst>
+  </p:cSld>
+  <p:clrMapOvr>
+    <a:masterClrMapping/>
+  </p:clrMapOvr>
+</p:sld>
+</file>
+
+<file path=ppt/slides/slide7.xml><?xml version="1.0" encoding="utf-8"?>
+<p:sld xmlns:a="http://schemas.openxmlformats.org/drawingml/2006/main" xmlns:r="http://schemas.openxmlformats.org/officeDocument/2006/relationships" xmlns:p="http://schemas.openxmlformats.org/presentationml/2006/main">
+  <p:cSld>
+    <p:spTree>
+      <p:nvGrpSpPr>
+        <p:cNvPr id="1" name=""/>
+        <p:cNvGrpSpPr/>
+        <p:nvPr/>
+      </p:nvGrpSpPr>
+      <p:grpSpPr>
+        <a:xfrm>
+          <a:off x="0" y="0"/>
+          <a:ext cx="0" cy="0"/>
+          <a:chOff x="0" y="0"/>
+          <a:chExt cx="0" cy="0"/>
+        </a:xfrm>
+      </p:grpSpPr>
+      <p:sp>
+        <p:nvSpPr>
+          <p:cNvPr id="2" name="Title 1">
+            <a:extLst>
+              <a:ext uri="{FF2B5EF4-FFF2-40B4-BE49-F238E27FC236}">
+                <a16:creationId xmlns:a16="http://schemas.microsoft.com/office/drawing/2014/main" id="{713471F7-0FB8-41A1-B23C-7C1E9B9F176C}"/>
+              </a:ext>
+            </a:extLst>
+          </p:cNvPr>
+          <p:cNvSpPr>
+            <a:spLocks noGrp="1"/>
+          </p:cNvSpPr>
+          <p:nvPr>
+            <p:ph type="title"/>
+          </p:nvPr>
+        </p:nvSpPr>
+        <p:spPr>
+          <a:xfrm>
+            <a:off x="838200" y="365125"/>
+            <a:ext cx="10515600" cy="851425"/>
+          </a:xfrm>
+        </p:spPr>
+        <p:txBody>
+          <a:bodyPr>
+            <a:normAutofit/>
+          </a:bodyPr>
+          <a:lstStyle/>
+          <a:p>
+            <a:r>
+              <a:rPr lang="en-US" dirty="0">
+                <a:latin typeface="Franklin Gothic Book" panose="020B0503020102020204" pitchFamily="34" charset="0"/>
+              </a:rPr>
+              <a:t>How an SQL Injection Attack Performed</a:t>
+            </a:r>
+          </a:p>
+        </p:txBody>
+      </p:sp>
+      <p:sp>
+        <p:nvSpPr>
+          <p:cNvPr id="3" name="Content Placeholder 2">
+            <a:extLst>
+              <a:ext uri="{FF2B5EF4-FFF2-40B4-BE49-F238E27FC236}">
+                <a16:creationId xmlns:a16="http://schemas.microsoft.com/office/drawing/2014/main" id="{6869AA67-0F4A-4612-AD45-7CF0B1F5EF63}"/>
+              </a:ext>
+            </a:extLst>
+          </p:cNvPr>
+          <p:cNvSpPr>
+            <a:spLocks noGrp="1"/>
+          </p:cNvSpPr>
+          <p:nvPr>
+            <p:ph idx="1"/>
+          </p:nvPr>
+        </p:nvSpPr>
+        <p:spPr>
+          <a:xfrm>
+            <a:off x="838200" y="1746112"/>
+            <a:ext cx="10515600" cy="4351338"/>
+          </a:xfrm>
+        </p:spPr>
+        <p:txBody>
+          <a:bodyPr/>
+          <a:lstStyle/>
+          <a:p>
+            <a:r>
+              <a:rPr lang="en-US" dirty="0"/>
+              <a:t>To make an SQL Injection attack, an attacker must first find vulnerable user inputs within the web page or  application</a:t>
+            </a:r>
+          </a:p>
+          <a:p>
+            <a:r>
+              <a:rPr lang="en-US" dirty="0"/>
+              <a:t>A web page or web application that has an SQL Injection vulnerability uses such user input directly in an SQL query, then attacker can create input content, often called a malicious payload </a:t>
+            </a:r>
+          </a:p>
+          <a:p>
+            <a:r>
+              <a:rPr lang="en-US" dirty="0"/>
+              <a:t>After the attacker sends this content, malicious SQL commands are executed in the database.</a:t>
+            </a:r>
+          </a:p>
+          <a:p>
+            <a:r>
+              <a:rPr lang="en-US" dirty="0"/>
+              <a:t>The malicious SQL commands can provide attacker the whole information of the database, access to modify the database</a:t>
+            </a:r>
+          </a:p>
+        </p:txBody>
+      </p:sp>
+    </p:spTree>
+    <p:extLst>
+      <p:ext uri="{BB962C8B-B14F-4D97-AF65-F5344CB8AC3E}">
+        <p14:creationId xmlns:p14="http://schemas.microsoft.com/office/powerpoint/2010/main" val="1196929616"/>
+      </p:ext>
+    </p:extLst>
+  </p:cSld>
+  <p:clrMapOvr>
+    <a:masterClrMapping/>
+  </p:clrMapOvr>
+</p:sld>
+</file>
+
+<file path=ppt/slides/slide8.xml><?xml version="1.0" encoding="utf-8"?>
+<p:sld xmlns:a="http://schemas.openxmlformats.org/drawingml/2006/main" xmlns:r="http://schemas.openxmlformats.org/officeDocument/2006/relationships" xmlns:p="http://schemas.openxmlformats.org/presentationml/2006/main">
+  <p:cSld>
+    <p:spTree>
+      <p:nvGrpSpPr>
+        <p:cNvPr id="1" name=""/>
+        <p:cNvGrpSpPr/>
+        <p:nvPr/>
+      </p:nvGrpSpPr>
+      <p:grpSpPr>
+        <a:xfrm>
+          <a:off x="0" y="0"/>
+          <a:ext cx="0" cy="0"/>
+          <a:chOff x="0" y="0"/>
+          <a:chExt cx="0" cy="0"/>
+        </a:xfrm>
+      </p:grpSpPr>
+      <p:sp>
+        <p:nvSpPr>
+          <p:cNvPr id="2" name="Title 1">
+            <a:extLst>
+              <a:ext uri="{FF2B5EF4-FFF2-40B4-BE49-F238E27FC236}">
+                <a16:creationId xmlns:a16="http://schemas.microsoft.com/office/drawing/2014/main" id="{4D543B91-0362-4281-AED6-30955C0215F9}"/>
+              </a:ext>
+            </a:extLst>
+          </p:cNvPr>
+          <p:cNvSpPr>
+            <a:spLocks noGrp="1"/>
+          </p:cNvSpPr>
+          <p:nvPr>
+            <p:ph type="title"/>
+          </p:nvPr>
+        </p:nvSpPr>
+        <p:spPr>
+          <a:xfrm>
+            <a:off x="838200" y="365125"/>
+            <a:ext cx="10515600" cy="851425"/>
+          </a:xfrm>
+        </p:spPr>
+        <p:txBody>
+          <a:bodyPr>
+            <a:normAutofit/>
+          </a:bodyPr>
+          <a:lstStyle/>
+          <a:p>
+            <a:r>
+              <a:rPr lang="en-US" dirty="0">
+                <a:latin typeface="Franklin Gothic Book" panose="020B0503020102020204" pitchFamily="34" charset="0"/>
+              </a:rPr>
+              <a:t>Simple SQL Injection Example</a:t>
+            </a:r>
+          </a:p>
+        </p:txBody>
+      </p:sp>
+      <p:sp>
+        <p:nvSpPr>
+          <p:cNvPr id="3" name="Content Placeholder 2">
+            <a:extLst>
+              <a:ext uri="{FF2B5EF4-FFF2-40B4-BE49-F238E27FC236}">
+                <a16:creationId xmlns:a16="http://schemas.microsoft.com/office/drawing/2014/main" id="{502BA28C-C803-41C7-8BB9-444FBF68A2BC}"/>
+              </a:ext>
+            </a:extLst>
+          </p:cNvPr>
+          <p:cNvSpPr>
+            <a:spLocks noGrp="1"/>
+          </p:cNvSpPr>
+          <p:nvPr>
+            <p:ph idx="1"/>
+          </p:nvPr>
+        </p:nvSpPr>
+        <p:spPr>
+          <a:xfrm>
+            <a:off x="838200" y="1216550"/>
+            <a:ext cx="10515600" cy="4960413"/>
+          </a:xfrm>
+        </p:spPr>
+        <p:txBody>
+          <a:bodyPr>
+            <a:normAutofit/>
+          </a:bodyPr>
+          <a:lstStyle/>
+          <a:p>
+            <a:pPr marL="0" indent="0">
+              <a:buNone/>
+            </a:pPr>
+            <a:r>
+              <a:rPr lang="en-US" sz="1600" dirty="0">
+                <a:latin typeface="Open Sans" panose="020B0606030504020204" pitchFamily="34" charset="0"/>
+                <a:ea typeface="Open Sans" panose="020B0606030504020204" pitchFamily="34" charset="0"/>
+                <a:cs typeface="Open Sans" panose="020B0606030504020204" pitchFamily="34" charset="0"/>
+              </a:rPr>
+              <a:t>  Let’s examine this code</a:t>
+            </a:r>
+          </a:p>
+          <a:p>
+            <a:pPr marL="0" indent="0">
+              <a:buNone/>
+            </a:pPr>
+            <a:endParaRPr lang="en-US" sz="2400" dirty="0"/>
+          </a:p>
+          <a:p>
+            <a:pPr marL="0" indent="0">
+              <a:buNone/>
+            </a:pPr>
+            <a:endParaRPr lang="en-US" sz="2400" dirty="0"/>
+          </a:p>
+          <a:p>
+            <a:pPr marL="0" indent="0">
+              <a:buNone/>
+            </a:pPr>
+            <a:endParaRPr lang="en-US" sz="2400" dirty="0"/>
+          </a:p>
+          <a:p>
+            <a:pPr marL="0" indent="0">
+              <a:buNone/>
+            </a:pPr>
+            <a:endParaRPr lang="en-US" sz="2400" dirty="0"/>
+          </a:p>
+          <a:p>
+            <a:pPr marL="0" indent="0">
+              <a:buNone/>
+            </a:pPr>
+            <a:endParaRPr lang="en-US" sz="2400" dirty="0"/>
+          </a:p>
+          <a:p>
+            <a:pPr marL="0" indent="0">
+              <a:buNone/>
+            </a:pPr>
+            <a:endParaRPr lang="en-US" sz="1600" dirty="0">
+              <a:latin typeface="Open Sans" panose="020B0606030504020204" pitchFamily="34" charset="0"/>
+              <a:ea typeface="Open Sans" panose="020B0606030504020204" pitchFamily="34" charset="0"/>
+              <a:cs typeface="Open Sans" panose="020B0606030504020204" pitchFamily="34" charset="0"/>
+            </a:endParaRPr>
+          </a:p>
+          <a:p>
+            <a:pPr marL="0" indent="0">
+              <a:buNone/>
+            </a:pPr>
+            <a:endParaRPr lang="en-US" sz="1600" dirty="0">
+              <a:latin typeface="Open Sans" panose="020B0606030504020204" pitchFamily="34" charset="0"/>
+              <a:ea typeface="Open Sans" panose="020B0606030504020204" pitchFamily="34" charset="0"/>
+              <a:cs typeface="Open Sans" panose="020B0606030504020204" pitchFamily="34" charset="0"/>
+            </a:endParaRPr>
+          </a:p>
+        </p:txBody>
+      </p:sp>
+      <p:sp>
+        <p:nvSpPr>
+          <p:cNvPr id="7" name="Rectangle 4">
+            <a:extLst>
+              <a:ext uri="{FF2B5EF4-FFF2-40B4-BE49-F238E27FC236}">
+                <a16:creationId xmlns:a16="http://schemas.microsoft.com/office/drawing/2014/main" id="{7B060CAC-E12A-4676-A5BC-F9B0EDDA47B6}"/>
+              </a:ext>
+            </a:extLst>
+          </p:cNvPr>
+          <p:cNvSpPr>
+            <a:spLocks noChangeArrowheads="1"/>
+          </p:cNvSpPr>
+          <p:nvPr/>
+        </p:nvSpPr>
+        <p:spPr bwMode="auto">
+          <a:xfrm>
+            <a:off x="946198" y="2970937"/>
+            <a:ext cx="10515598" cy="830997"/>
+          </a:xfrm>
+          <a:prstGeom prst="rect">
+            <a:avLst/>
+          </a:prstGeom>
+          <a:ln>
+            <a:noFill/>
+          </a:ln>
+        </p:spPr>
+        <p:style>
+          <a:lnRef idx="2">
+            <a:schemeClr val="dk1"/>
+          </a:lnRef>
+          <a:fillRef idx="1">
+            <a:schemeClr val="lt1"/>
+          </a:fillRef>
+          <a:effectRef idx="0">
+            <a:schemeClr val="dk1"/>
+          </a:effectRef>
+          <a:fontRef idx="minor">
+            <a:schemeClr val="dk1"/>
+          </a:fontRef>
+        </p:style>
+        <p:txBody>
+          <a:bodyPr vert="horz" wrap="square" lIns="91440" tIns="45720" rIns="91440" bIns="45720" numCol="1" anchor="ctr" anchorCtr="0" compatLnSpc="1">
+            <a:prstTxWarp prst="textNoShape">
+              <a:avLst/>
+            </a:prstTxWarp>
+            <a:spAutoFit/>
+          </a:bodyPr>
+          <a:lstStyle>
+            <a:lvl1pPr eaLnBrk="0" fontAlgn="base" hangingPunct="0">
+              <a:spcBef>
+                <a:spcPct val="0"/>
+              </a:spcBef>
+              <a:spcAft>
+                <a:spcPct val="0"/>
+              </a:spcAft>
+              <a:defRPr>
+                <a:solidFill>
+                  <a:schemeClr val="tx1"/>
+                </a:solidFill>
+                <a:latin typeface="Arial" panose="020B0604020202020204" pitchFamily="34" charset="0"/>
+              </a:defRPr>
+            </a:lvl1pPr>
+            <a:lvl2pPr eaLnBrk="0" fontAlgn="base" hangingPunct="0">
+              <a:spcBef>
+                <a:spcPct val="0"/>
+              </a:spcBef>
+              <a:spcAft>
+                <a:spcPct val="0"/>
+              </a:spcAft>
+              <a:defRPr>
+                <a:solidFill>
+                  <a:schemeClr val="tx1"/>
+                </a:solidFill>
+                <a:latin typeface="Arial" panose="020B0604020202020204" pitchFamily="34" charset="0"/>
+              </a:defRPr>
+            </a:lvl2pPr>
+            <a:lvl3pPr eaLnBrk="0" fontAlgn="base" hangingPunct="0">
+              <a:spcBef>
+                <a:spcPct val="0"/>
+              </a:spcBef>
+              <a:spcAft>
+                <a:spcPct val="0"/>
+              </a:spcAft>
+              <a:defRPr>
+                <a:solidFill>
+                  <a:schemeClr val="tx1"/>
+                </a:solidFill>
+                <a:latin typeface="Arial" panose="020B0604020202020204" pitchFamily="34" charset="0"/>
+              </a:defRPr>
+            </a:lvl3pPr>
+            <a:lvl4pPr eaLnBrk="0" fontAlgn="base" hangingPunct="0">
+              <a:spcBef>
+                <a:spcPct val="0"/>
+              </a:spcBef>
+              <a:spcAft>
+                <a:spcPct val="0"/>
+              </a:spcAft>
+              <a:defRPr>
+                <a:solidFill>
+                  <a:schemeClr val="tx1"/>
+                </a:solidFill>
+                <a:latin typeface="Arial" panose="020B0604020202020204" pitchFamily="34" charset="0"/>
+              </a:defRPr>
+            </a:lvl4pPr>
+            <a:lvl5pPr eaLnBrk="0" fontAlgn="base" hangingPunct="0">
+              <a:spcBef>
+                <a:spcPct val="0"/>
+              </a:spcBef>
+              <a:spcAft>
+                <a:spcPct val="0"/>
+              </a:spcAft>
+              <a:defRPr>
+                <a:solidFill>
+                  <a:schemeClr val="tx1"/>
+                </a:solidFill>
+                <a:latin typeface="Arial" panose="020B0604020202020204" pitchFamily="34" charset="0"/>
+              </a:defRPr>
+            </a:lvl5pPr>
+            <a:lvl6pPr eaLnBrk="0" fontAlgn="base" hangingPunct="0">
+              <a:spcBef>
+                <a:spcPct val="0"/>
+              </a:spcBef>
+              <a:spcAft>
+                <a:spcPct val="0"/>
+              </a:spcAft>
+              <a:defRPr>
+                <a:solidFill>
+                  <a:schemeClr val="tx1"/>
+                </a:solidFill>
+                <a:latin typeface="Arial" panose="020B0604020202020204" pitchFamily="34" charset="0"/>
+              </a:defRPr>
+            </a:lvl6pPr>
+            <a:lvl7pPr eaLnBrk="0" fontAlgn="base" hangingPunct="0">
+              <a:spcBef>
+                <a:spcPct val="0"/>
+              </a:spcBef>
+              <a:spcAft>
+                <a:spcPct val="0"/>
+              </a:spcAft>
+              <a:defRPr>
+                <a:solidFill>
+                  <a:schemeClr val="tx1"/>
+                </a:solidFill>
+                <a:latin typeface="Arial" panose="020B0604020202020204" pitchFamily="34" charset="0"/>
+              </a:defRPr>
+            </a:lvl7pPr>
+            <a:lvl8pPr eaLnBrk="0" fontAlgn="base" hangingPunct="0">
+              <a:spcBef>
+                <a:spcPct val="0"/>
+              </a:spcBef>
+              <a:spcAft>
+                <a:spcPct val="0"/>
+              </a:spcAft>
+              <a:defRPr>
+                <a:solidFill>
+                  <a:schemeClr val="tx1"/>
+                </a:solidFill>
+                <a:latin typeface="Arial" panose="020B0604020202020204" pitchFamily="34" charset="0"/>
+              </a:defRPr>
+            </a:lvl8pPr>
+            <a:lvl9pPr eaLnBrk="0" fontAlgn="base" hangingPunct="0">
+              <a:spcBef>
+                <a:spcPct val="0"/>
+              </a:spcBef>
+              <a:spcAft>
+                <a:spcPct val="0"/>
+              </a:spcAft>
+              <a:defRPr>
+                <a:solidFill>
+                  <a:schemeClr val="tx1"/>
+                </a:solidFill>
+                <a:latin typeface="Arial" panose="020B0604020202020204" pitchFamily="34" charset="0"/>
+              </a:defRPr>
+            </a:lvl9pPr>
+          </a:lstStyle>
+          <a:p>
+            <a:pPr marL="0" marR="0" lvl="0" indent="0" algn="just" defTabSz="914400" rtl="0" eaLnBrk="0" fontAlgn="base" latinLnBrk="0" hangingPunct="0">
+              <a:lnSpc>
+                <a:spcPct val="100000"/>
+              </a:lnSpc>
+              <a:spcBef>
+                <a:spcPct val="0"/>
+              </a:spcBef>
+              <a:spcAft>
+                <a:spcPct val="0"/>
+              </a:spcAft>
+              <a:buClrTx/>
+              <a:buSzTx/>
+              <a:buFontTx/>
+              <a:buNone/>
+              <a:tabLst/>
+            </a:pPr>
+            <a:r>
+              <a:rPr kumimoji="0" lang="en-US" altLang="en-US" sz="1600" b="0" i="0" u="none" strike="noStrike" cap="none" normalizeH="0" baseline="0" dirty="0">
+                <a:ln>
+                  <a:noFill/>
+                </a:ln>
+                <a:solidFill>
+                  <a:srgbClr val="333333"/>
+                </a:solidFill>
+                <a:effectLst/>
+                <a:latin typeface="Open Sans" panose="020B0606030504020204" pitchFamily="34" charset="0"/>
+                <a:cs typeface="Open Sans" panose="020B0606030504020204" pitchFamily="34" charset="0"/>
+              </a:rPr>
+              <a:t>An attacker could use SQL commands in the input </a:t>
+            </a:r>
+          </a:p>
+          <a:p>
+            <a:pPr marL="0" marR="0" lvl="0" indent="0" algn="just" defTabSz="914400" rtl="0" eaLnBrk="0" fontAlgn="base" latinLnBrk="0" hangingPunct="0">
+              <a:lnSpc>
+                <a:spcPct val="100000"/>
+              </a:lnSpc>
+              <a:spcBef>
+                <a:spcPct val="0"/>
+              </a:spcBef>
+              <a:spcAft>
+                <a:spcPct val="0"/>
+              </a:spcAft>
+              <a:buClrTx/>
+              <a:buSzTx/>
+              <a:buFontTx/>
+              <a:buNone/>
+              <a:tabLst/>
+            </a:pPr>
+            <a:r>
+              <a:rPr kumimoji="0" lang="en-US" altLang="en-US" sz="1600" b="0" i="0" u="none" strike="noStrike" cap="none" normalizeH="0" baseline="0" dirty="0">
+                <a:ln>
+                  <a:noFill/>
+                </a:ln>
+                <a:solidFill>
+                  <a:srgbClr val="333333"/>
+                </a:solidFill>
+                <a:effectLst/>
+                <a:latin typeface="Open Sans" panose="020B0606030504020204" pitchFamily="34" charset="0"/>
+                <a:cs typeface="Open Sans" panose="020B0606030504020204" pitchFamily="34" charset="0"/>
+              </a:rPr>
+              <a:t>in a way that would alter the SQL statement executed by the database server. For example, they could use a trick involving a single quote and set the </a:t>
+            </a:r>
+            <a:r>
+              <a:rPr kumimoji="0" lang="en-US" altLang="en-US" sz="1600" b="0" i="0" u="none" strike="noStrike" cap="none" normalizeH="0" baseline="0" dirty="0">
+                <a:ln>
+                  <a:noFill/>
+                </a:ln>
+                <a:solidFill>
+                  <a:srgbClr val="C7254E"/>
+                </a:solidFill>
+                <a:effectLst/>
+                <a:latin typeface="Menlo"/>
+              </a:rPr>
+              <a:t>passwd</a:t>
+            </a:r>
+            <a:r>
+              <a:rPr kumimoji="0" lang="en-US" altLang="en-US" sz="1600" b="0" i="0" u="none" strike="noStrike" cap="none" normalizeH="0" baseline="0" dirty="0">
+                <a:ln>
+                  <a:noFill/>
+                </a:ln>
+                <a:solidFill>
+                  <a:srgbClr val="333333"/>
+                </a:solidFill>
+                <a:effectLst/>
+                <a:latin typeface="Open Sans" panose="020B0606030504020204" pitchFamily="34" charset="0"/>
+                <a:cs typeface="Open Sans" panose="020B0606030504020204" pitchFamily="34" charset="0"/>
+              </a:rPr>
+              <a:t> field to:</a:t>
+            </a:r>
+            <a:r>
+              <a:rPr kumimoji="0" lang="en-US" altLang="en-US" sz="1600" b="0" i="0" u="none" strike="noStrike" cap="none" normalizeH="0" baseline="0" dirty="0">
+                <a:ln>
+                  <a:noFill/>
+                </a:ln>
+                <a:solidFill>
+                  <a:schemeClr val="tx1"/>
+                </a:solidFill>
+                <a:effectLst/>
+              </a:rPr>
+              <a:t> </a:t>
+            </a:r>
+            <a:endParaRPr kumimoji="0" lang="en-US" altLang="en-US" sz="1600" b="0" i="0" u="none" strike="noStrike" cap="none" normalizeH="0" baseline="0" dirty="0">
+              <a:ln>
+                <a:noFill/>
+              </a:ln>
+              <a:solidFill>
+                <a:schemeClr val="tx1"/>
+              </a:solidFill>
+              <a:effectLst/>
+              <a:latin typeface="Arial" panose="020B0604020202020204" pitchFamily="34" charset="0"/>
+            </a:endParaRPr>
+          </a:p>
+        </p:txBody>
+      </p:sp>
+      <p:sp>
+        <p:nvSpPr>
+          <p:cNvPr id="8" name="Rectangle 5">
+            <a:extLst>
+              <a:ext uri="{FF2B5EF4-FFF2-40B4-BE49-F238E27FC236}">
+                <a16:creationId xmlns:a16="http://schemas.microsoft.com/office/drawing/2014/main" id="{2068C381-E2A3-4F87-8B25-C3E5D491A570}"/>
+              </a:ext>
+            </a:extLst>
+          </p:cNvPr>
+          <p:cNvSpPr>
+            <a:spLocks noChangeArrowheads="1"/>
+          </p:cNvSpPr>
+          <p:nvPr/>
+        </p:nvSpPr>
+        <p:spPr bwMode="auto">
+          <a:xfrm>
+            <a:off x="946198" y="4079779"/>
+            <a:ext cx="10515598" cy="310321"/>
+          </a:xfrm>
+          <a:prstGeom prst="rect">
+            <a:avLst/>
+          </a:prstGeom>
+          <a:solidFill>
+            <a:srgbClr val="F5F5F5"/>
+          </a:solidFill>
+          <a:ln>
+            <a:noFill/>
+          </a:ln>
+          <a:effectLst/>
+          <a:extLst>
+            <a:ext uri="{91240B29-F687-4F45-9708-019B960494DF}">
+              <a14:hiddenLine xmlns:a14="http://schemas.microsoft.com/office/drawing/2010/main" w="9525">
+                <a:solidFill>
+                  <a:schemeClr val="tx1"/>
+                </a:solidFill>
+                <a:miter lim="800000"/>
+                <a:headEnd/>
+                <a:tailEnd/>
+              </a14:hiddenLine>
+            </a:ext>
+            <a:ext uri="{AF507438-7753-43E0-B8FC-AC1667EBCBE1}">
+              <a14:hiddenEffects xmlns:a14="http://schemas.microsoft.com/office/drawing/2010/main">
+                <a:effectLst>
+                  <a:outerShdw dist="35921" dir="2700000" algn="ctr" rotWithShape="0">
+                    <a:schemeClr val="bg2"/>
+                  </a:outerShdw>
+                </a:effectLst>
+              </a14:hiddenEffects>
+            </a:ext>
+          </a:extLst>
+        </p:spPr>
+        <p:txBody>
+          <a:bodyPr vert="horz" wrap="square" lIns="0" tIns="0" rIns="0" bIns="63480" numCol="1" anchor="ctr" anchorCtr="0" compatLnSpc="1">
+            <a:prstTxWarp prst="textNoShape">
+              <a:avLst/>
+            </a:prstTxWarp>
+            <a:spAutoFit/>
+          </a:bodyPr>
+          <a:lstStyle/>
+          <a:p>
+            <a:pPr marL="0" marR="0" lvl="0" indent="0" algn="l" defTabSz="914400" rtl="0" eaLnBrk="0" fontAlgn="base" latinLnBrk="0" hangingPunct="0">
+              <a:lnSpc>
+                <a:spcPct val="100000"/>
+              </a:lnSpc>
+              <a:spcBef>
+                <a:spcPct val="0"/>
+              </a:spcBef>
+              <a:spcAft>
+                <a:spcPct val="0"/>
+              </a:spcAft>
+              <a:buClrTx/>
+              <a:buSzTx/>
+              <a:buFontTx/>
+              <a:buNone/>
+              <a:tabLst/>
+            </a:pPr>
+            <a:r>
+              <a:rPr kumimoji="0" lang="en-US" altLang="en-US" sz="1600" b="0" i="0" u="none" strike="noStrike" cap="none" normalizeH="0" baseline="0" dirty="0">
+                <a:ln>
+                  <a:noFill/>
+                </a:ln>
+                <a:solidFill>
+                  <a:srgbClr val="333333"/>
+                </a:solidFill>
+                <a:effectLst/>
+                <a:latin typeface="Menlo"/>
+              </a:rPr>
+              <a:t>password' OR 1=1</a:t>
+            </a:r>
+            <a:r>
+              <a:rPr kumimoji="0" lang="en-US" altLang="en-US" sz="1600" b="0" i="0" u="none" strike="noStrike" cap="none" normalizeH="0" baseline="0" dirty="0">
+                <a:ln>
+                  <a:noFill/>
+                </a:ln>
+                <a:solidFill>
+                  <a:schemeClr val="tx1"/>
+                </a:solidFill>
+                <a:effectLst/>
+              </a:rPr>
+              <a:t> </a:t>
+            </a:r>
+            <a:endParaRPr kumimoji="0" lang="en-US" altLang="en-US" sz="1600" b="0" i="0" u="none" strike="noStrike" cap="none" normalizeH="0" baseline="0" dirty="0">
+              <a:ln>
+                <a:noFill/>
+              </a:ln>
+              <a:solidFill>
+                <a:schemeClr val="tx1"/>
+              </a:solidFill>
+              <a:effectLst/>
+              <a:latin typeface="Arial" panose="020B0604020202020204" pitchFamily="34" charset="0"/>
+            </a:endParaRPr>
+          </a:p>
+        </p:txBody>
+      </p:sp>
+      <p:sp>
+        <p:nvSpPr>
+          <p:cNvPr id="10" name="Rectangle 7">
+            <a:extLst>
+              <a:ext uri="{FF2B5EF4-FFF2-40B4-BE49-F238E27FC236}">
+                <a16:creationId xmlns:a16="http://schemas.microsoft.com/office/drawing/2014/main" id="{6B4DE851-8BBF-4C37-9D6B-A888ABBDE447}"/>
+              </a:ext>
+            </a:extLst>
+          </p:cNvPr>
+          <p:cNvSpPr>
+            <a:spLocks noChangeArrowheads="1"/>
+          </p:cNvSpPr>
+          <p:nvPr/>
+        </p:nvSpPr>
+        <p:spPr bwMode="auto">
+          <a:xfrm>
+            <a:off x="892198" y="5526772"/>
+            <a:ext cx="10515600" cy="584775"/>
+          </a:xfrm>
+          <a:prstGeom prst="rect">
+            <a:avLst/>
+          </a:prstGeom>
+          <a:ln>
+            <a:noFill/>
+          </a:ln>
+        </p:spPr>
+        <p:style>
+          <a:lnRef idx="2">
+            <a:schemeClr val="dk1"/>
+          </a:lnRef>
+          <a:fillRef idx="1">
+            <a:schemeClr val="lt1"/>
+          </a:fillRef>
+          <a:effectRef idx="0">
+            <a:schemeClr val="dk1"/>
+          </a:effectRef>
+          <a:fontRef idx="minor">
+            <a:schemeClr val="dk1"/>
+          </a:fontRef>
+        </p:style>
+        <p:txBody>
+          <a:bodyPr vert="horz" wrap="square" lIns="91440" tIns="45720" rIns="91440" bIns="45720" numCol="1" anchor="ctr" anchorCtr="0" compatLnSpc="1">
+            <a:prstTxWarp prst="textNoShape">
+              <a:avLst/>
+            </a:prstTxWarp>
+            <a:spAutoFit/>
+          </a:bodyPr>
+          <a:lstStyle>
+            <a:lvl1pPr eaLnBrk="0" fontAlgn="base" hangingPunct="0">
+              <a:spcBef>
+                <a:spcPct val="0"/>
+              </a:spcBef>
+              <a:spcAft>
+                <a:spcPct val="0"/>
+              </a:spcAft>
+              <a:defRPr>
+                <a:solidFill>
+                  <a:schemeClr val="tx1"/>
+                </a:solidFill>
+                <a:latin typeface="Arial" panose="020B0604020202020204" pitchFamily="34" charset="0"/>
+              </a:defRPr>
+            </a:lvl1pPr>
+            <a:lvl2pPr eaLnBrk="0" fontAlgn="base" hangingPunct="0">
+              <a:spcBef>
+                <a:spcPct val="0"/>
+              </a:spcBef>
+              <a:spcAft>
+                <a:spcPct val="0"/>
+              </a:spcAft>
+              <a:defRPr>
+                <a:solidFill>
+                  <a:schemeClr val="tx1"/>
+                </a:solidFill>
+                <a:latin typeface="Arial" panose="020B0604020202020204" pitchFamily="34" charset="0"/>
+              </a:defRPr>
+            </a:lvl2pPr>
+            <a:lvl3pPr eaLnBrk="0" fontAlgn="base" hangingPunct="0">
+              <a:spcBef>
+                <a:spcPct val="0"/>
+              </a:spcBef>
+              <a:spcAft>
+                <a:spcPct val="0"/>
+              </a:spcAft>
+              <a:defRPr>
+                <a:solidFill>
+                  <a:schemeClr val="tx1"/>
+                </a:solidFill>
+                <a:latin typeface="Arial" panose="020B0604020202020204" pitchFamily="34" charset="0"/>
+              </a:defRPr>
+            </a:lvl3pPr>
+            <a:lvl4pPr eaLnBrk="0" fontAlgn="base" hangingPunct="0">
+              <a:spcBef>
+                <a:spcPct val="0"/>
+              </a:spcBef>
+              <a:spcAft>
+                <a:spcPct val="0"/>
+              </a:spcAft>
+              <a:defRPr>
+                <a:solidFill>
+                  <a:schemeClr val="tx1"/>
+                </a:solidFill>
+                <a:latin typeface="Arial" panose="020B0604020202020204" pitchFamily="34" charset="0"/>
+              </a:defRPr>
+            </a:lvl4pPr>
+            <a:lvl5pPr eaLnBrk="0" fontAlgn="base" hangingPunct="0">
+              <a:spcBef>
+                <a:spcPct val="0"/>
+              </a:spcBef>
+              <a:spcAft>
+                <a:spcPct val="0"/>
+              </a:spcAft>
+              <a:defRPr>
+                <a:solidFill>
+                  <a:schemeClr val="tx1"/>
+                </a:solidFill>
+                <a:latin typeface="Arial" panose="020B0604020202020204" pitchFamily="34" charset="0"/>
+              </a:defRPr>
+            </a:lvl5pPr>
+            <a:lvl6pPr eaLnBrk="0" fontAlgn="base" hangingPunct="0">
+              <a:spcBef>
+                <a:spcPct val="0"/>
+              </a:spcBef>
+              <a:spcAft>
+                <a:spcPct val="0"/>
+              </a:spcAft>
+              <a:defRPr>
+                <a:solidFill>
+                  <a:schemeClr val="tx1"/>
+                </a:solidFill>
+                <a:latin typeface="Arial" panose="020B0604020202020204" pitchFamily="34" charset="0"/>
+              </a:defRPr>
+            </a:lvl6pPr>
+            <a:lvl7pPr eaLnBrk="0" fontAlgn="base" hangingPunct="0">
+              <a:spcBef>
+                <a:spcPct val="0"/>
+              </a:spcBef>
+              <a:spcAft>
+                <a:spcPct val="0"/>
+              </a:spcAft>
+              <a:defRPr>
+                <a:solidFill>
+                  <a:schemeClr val="tx1"/>
+                </a:solidFill>
+                <a:latin typeface="Arial" panose="020B0604020202020204" pitchFamily="34" charset="0"/>
+              </a:defRPr>
+            </a:lvl7pPr>
+            <a:lvl8pPr eaLnBrk="0" fontAlgn="base" hangingPunct="0">
+              <a:spcBef>
+                <a:spcPct val="0"/>
+              </a:spcBef>
+              <a:spcAft>
+                <a:spcPct val="0"/>
+              </a:spcAft>
+              <a:defRPr>
+                <a:solidFill>
+                  <a:schemeClr val="tx1"/>
+                </a:solidFill>
+                <a:latin typeface="Arial" panose="020B0604020202020204" pitchFamily="34" charset="0"/>
+              </a:defRPr>
+            </a:lvl8pPr>
+            <a:lvl9pPr eaLnBrk="0" fontAlgn="base" hangingPunct="0">
+              <a:spcBef>
+                <a:spcPct val="0"/>
+              </a:spcBef>
+              <a:spcAft>
+                <a:spcPct val="0"/>
+              </a:spcAft>
+              <a:defRPr>
+                <a:solidFill>
+                  <a:schemeClr val="tx1"/>
+                </a:solidFill>
+                <a:latin typeface="Arial" panose="020B0604020202020204" pitchFamily="34" charset="0"/>
+              </a:defRPr>
+            </a:lvl9pPr>
+          </a:lstStyle>
+          <a:p>
+            <a:pPr marL="0" marR="0" lvl="0" indent="0" algn="just" defTabSz="914400" rtl="0" eaLnBrk="0" fontAlgn="base" latinLnBrk="0" hangingPunct="0">
+              <a:lnSpc>
+                <a:spcPct val="100000"/>
+              </a:lnSpc>
+              <a:spcBef>
+                <a:spcPct val="0"/>
+              </a:spcBef>
+              <a:spcAft>
+                <a:spcPct val="0"/>
+              </a:spcAft>
+              <a:buClrTx/>
+              <a:buSzTx/>
+              <a:buFontTx/>
+              <a:buNone/>
+              <a:tabLst/>
+            </a:pPr>
+            <a:r>
+              <a:rPr kumimoji="0" lang="en-US" altLang="en-US" sz="1600" b="0" i="0" u="none" strike="noStrike" cap="none" normalizeH="0" baseline="0" dirty="0">
+                <a:ln>
+                  <a:noFill/>
+                </a:ln>
+                <a:solidFill>
+                  <a:srgbClr val="333333"/>
+                </a:solidFill>
+                <a:effectLst/>
+                <a:latin typeface="Open Sans" panose="020B0606030504020204" pitchFamily="34" charset="0"/>
+                <a:cs typeface="Open Sans" panose="020B0606030504020204" pitchFamily="34" charset="0"/>
+              </a:rPr>
+              <a:t>Because of the </a:t>
+            </a:r>
+            <a:r>
+              <a:rPr kumimoji="0" lang="en-US" altLang="en-US" sz="1600" b="0" i="0" u="none" strike="noStrike" cap="none" normalizeH="0" baseline="0" dirty="0">
+                <a:ln>
+                  <a:noFill/>
+                </a:ln>
+                <a:solidFill>
+                  <a:srgbClr val="C7254E"/>
+                </a:solidFill>
+                <a:effectLst/>
+                <a:latin typeface="Menlo"/>
+              </a:rPr>
+              <a:t>OR 1=1</a:t>
+            </a:r>
+            <a:r>
+              <a:rPr kumimoji="0" lang="en-US" altLang="en-US" sz="1600" b="0" i="0" u="none" strike="noStrike" cap="none" normalizeH="0" baseline="0" dirty="0">
+                <a:ln>
+                  <a:noFill/>
+                </a:ln>
+                <a:solidFill>
+                  <a:srgbClr val="333333"/>
+                </a:solidFill>
+                <a:effectLst/>
+                <a:latin typeface="Open Sans" panose="020B0606030504020204" pitchFamily="34" charset="0"/>
+                <a:cs typeface="Open Sans" panose="020B0606030504020204" pitchFamily="34" charset="0"/>
+              </a:rPr>
+              <a:t> statement, the </a:t>
+            </a:r>
+            <a:r>
+              <a:rPr kumimoji="0" lang="en-US" altLang="en-US" sz="1600" b="0" i="0" u="none" strike="noStrike" cap="none" normalizeH="0" baseline="0" dirty="0">
+                <a:ln>
+                  <a:noFill/>
+                </a:ln>
+                <a:solidFill>
+                  <a:srgbClr val="C7254E"/>
+                </a:solidFill>
+                <a:effectLst/>
+                <a:latin typeface="Menlo"/>
+              </a:rPr>
+              <a:t>WHERE </a:t>
+            </a:r>
+            <a:r>
+              <a:rPr kumimoji="0" lang="en-US" altLang="en-US" sz="1600" b="0" i="0" u="none" strike="noStrike" cap="none" normalizeH="0" baseline="0" dirty="0">
+                <a:ln>
+                  <a:noFill/>
+                </a:ln>
+                <a:solidFill>
+                  <a:srgbClr val="333333"/>
+                </a:solidFill>
+                <a:effectLst/>
+                <a:latin typeface="Open Sans" panose="020B0606030504020204" pitchFamily="34" charset="0"/>
+                <a:cs typeface="Open Sans" panose="020B0606030504020204" pitchFamily="34" charset="0"/>
+              </a:rPr>
+              <a:t>clause returns the first </a:t>
+            </a:r>
+            <a:r>
+              <a:rPr kumimoji="0" lang="en-US" altLang="en-US" sz="1600" b="0" i="0" u="none" strike="noStrike" cap="none" normalizeH="0" baseline="0" dirty="0">
+                <a:ln>
+                  <a:noFill/>
+                </a:ln>
+                <a:solidFill>
+                  <a:srgbClr val="C7254E"/>
+                </a:solidFill>
+                <a:effectLst/>
+                <a:latin typeface="Menlo"/>
+              </a:rPr>
+              <a:t>id</a:t>
+            </a:r>
+            <a:r>
+              <a:rPr kumimoji="0" lang="en-US" altLang="en-US" sz="1600" b="0" i="0" u="none" strike="noStrike" cap="none" normalizeH="0" baseline="0" dirty="0">
+                <a:ln>
+                  <a:noFill/>
+                </a:ln>
+                <a:solidFill>
+                  <a:srgbClr val="333333"/>
+                </a:solidFill>
+                <a:effectLst/>
+                <a:latin typeface="Open Sans" panose="020B0606030504020204" pitchFamily="34" charset="0"/>
+                <a:cs typeface="Open Sans" panose="020B0606030504020204" pitchFamily="34" charset="0"/>
+              </a:rPr>
+              <a:t> from the </a:t>
+            </a:r>
+            <a:r>
+              <a:rPr kumimoji="0" lang="en-US" altLang="en-US" sz="1600" b="0" i="0" u="none" strike="noStrike" cap="none" normalizeH="0" baseline="0" dirty="0">
+                <a:ln>
+                  <a:noFill/>
+                </a:ln>
+                <a:solidFill>
+                  <a:srgbClr val="C7254E"/>
+                </a:solidFill>
+                <a:effectLst/>
+                <a:latin typeface="Menlo"/>
+              </a:rPr>
+              <a:t>users</a:t>
+            </a:r>
+            <a:r>
+              <a:rPr kumimoji="0" lang="en-US" altLang="en-US" sz="1600" b="0" i="0" u="none" strike="noStrike" cap="none" normalizeH="0" baseline="0" dirty="0">
+                <a:ln>
+                  <a:noFill/>
+                </a:ln>
+                <a:solidFill>
+                  <a:srgbClr val="333333"/>
+                </a:solidFill>
+                <a:effectLst/>
+                <a:latin typeface="Open Sans" panose="020B0606030504020204" pitchFamily="34" charset="0"/>
+                <a:cs typeface="Open Sans" panose="020B0606030504020204" pitchFamily="34" charset="0"/>
+              </a:rPr>
+              <a:t> table no matter what the </a:t>
+            </a:r>
+            <a:r>
+              <a:rPr kumimoji="0" lang="en-US" altLang="en-US" sz="1600" b="0" i="0" u="none" strike="noStrike" cap="none" normalizeH="0" baseline="0" dirty="0">
+                <a:ln>
+                  <a:noFill/>
+                </a:ln>
+                <a:solidFill>
+                  <a:srgbClr val="C7254E"/>
+                </a:solidFill>
+                <a:effectLst/>
+                <a:latin typeface="Menlo"/>
+              </a:rPr>
+              <a:t>username</a:t>
+            </a:r>
+            <a:r>
+              <a:rPr kumimoji="0" lang="en-US" altLang="en-US" sz="1600" b="0" i="0" u="none" strike="noStrike" cap="none" normalizeH="0" baseline="0" dirty="0">
+                <a:ln>
+                  <a:noFill/>
+                </a:ln>
+                <a:solidFill>
+                  <a:srgbClr val="333333"/>
+                </a:solidFill>
+                <a:effectLst/>
+                <a:latin typeface="Open Sans" panose="020B0606030504020204" pitchFamily="34" charset="0"/>
+                <a:cs typeface="Open Sans" panose="020B0606030504020204" pitchFamily="34" charset="0"/>
+              </a:rPr>
+              <a:t> and </a:t>
+            </a:r>
+            <a:r>
+              <a:rPr kumimoji="0" lang="en-US" altLang="en-US" sz="1600" b="0" i="0" u="none" strike="noStrike" cap="none" normalizeH="0" baseline="0" dirty="0">
+                <a:ln>
+                  <a:noFill/>
+                </a:ln>
+                <a:solidFill>
+                  <a:srgbClr val="C7254E"/>
+                </a:solidFill>
+                <a:effectLst/>
+                <a:latin typeface="Menlo"/>
+              </a:rPr>
+              <a:t>password</a:t>
+            </a:r>
+            <a:r>
+              <a:rPr kumimoji="0" lang="en-US" altLang="en-US" sz="1600" b="0" i="0" u="none" strike="noStrike" cap="none" normalizeH="0" baseline="0" dirty="0">
+                <a:ln>
+                  <a:noFill/>
+                </a:ln>
+                <a:solidFill>
+                  <a:srgbClr val="333333"/>
+                </a:solidFill>
+                <a:effectLst/>
+                <a:latin typeface="Open Sans" panose="020B0606030504020204" pitchFamily="34" charset="0"/>
+                <a:cs typeface="Open Sans" panose="020B0606030504020204" pitchFamily="34" charset="0"/>
+              </a:rPr>
+              <a:t> are. </a:t>
+            </a:r>
+            <a:r>
+              <a:rPr kumimoji="0" lang="en-US" altLang="en-US" sz="1600" b="0" i="0" u="none" strike="noStrike" cap="none" normalizeH="0" baseline="0" dirty="0">
+                <a:ln>
+                  <a:noFill/>
+                </a:ln>
+                <a:solidFill>
+                  <a:schemeClr val="tx1"/>
+                </a:solidFill>
+                <a:effectLst/>
+              </a:rPr>
+              <a:t> </a:t>
+            </a:r>
+            <a:endParaRPr kumimoji="0" lang="en-US" altLang="en-US" sz="1600" b="0" i="0" u="none" strike="noStrike" cap="none" normalizeH="0" baseline="0" dirty="0">
+              <a:ln>
+                <a:noFill/>
+              </a:ln>
+              <a:solidFill>
+                <a:schemeClr val="tx1"/>
+              </a:solidFill>
+              <a:effectLst/>
+              <a:latin typeface="Arial" panose="020B0604020202020204" pitchFamily="34" charset="0"/>
+            </a:endParaRPr>
+          </a:p>
+        </p:txBody>
+      </p:sp>
+      <p:sp>
+        <p:nvSpPr>
+          <p:cNvPr id="5" name="Rectangle 2">
+            <a:extLst>
+              <a:ext uri="{FF2B5EF4-FFF2-40B4-BE49-F238E27FC236}">
+                <a16:creationId xmlns:a16="http://schemas.microsoft.com/office/drawing/2014/main" id="{BBD00105-1719-479A-986B-598EAC4A4AEA}"/>
+              </a:ext>
+            </a:extLst>
+          </p:cNvPr>
+          <p:cNvSpPr>
+            <a:spLocks noChangeArrowheads="1"/>
+          </p:cNvSpPr>
+          <p:nvPr/>
+        </p:nvSpPr>
+        <p:spPr bwMode="auto">
+          <a:xfrm>
+            <a:off x="946198" y="1675804"/>
+            <a:ext cx="10515600" cy="1048985"/>
+          </a:xfrm>
+          <a:prstGeom prst="rect">
+            <a:avLst/>
+          </a:prstGeom>
+          <a:solidFill>
+            <a:srgbClr val="F5F5F5"/>
+          </a:solidFill>
+          <a:ln>
+            <a:noFill/>
+          </a:ln>
+          <a:effectLst/>
+          <a:extLst>
+            <a:ext uri="{91240B29-F687-4F45-9708-019B960494DF}">
+              <a14:hiddenLine xmlns:a14="http://schemas.microsoft.com/office/drawing/2010/main" w="9525">
+                <a:solidFill>
+                  <a:schemeClr val="tx1"/>
+                </a:solidFill>
+                <a:miter lim="800000"/>
+                <a:headEnd/>
+                <a:tailEnd/>
+              </a14:hiddenLine>
+            </a:ext>
+            <a:ext uri="{AF507438-7753-43E0-B8FC-AC1667EBCBE1}">
+              <a14:hiddenEffects xmlns:a14="http://schemas.microsoft.com/office/drawing/2010/main">
+                <a:effectLst>
+                  <a:outerShdw dist="35921" dir="2700000" algn="ctr" rotWithShape="0">
+                    <a:schemeClr val="bg2"/>
+                  </a:outerShdw>
+                </a:effectLst>
+              </a14:hiddenEffects>
+            </a:ext>
+          </a:extLst>
+        </p:spPr>
+        <p:txBody>
+          <a:bodyPr vert="horz" wrap="square" lIns="0" tIns="0" rIns="0" bIns="63480" numCol="1" anchor="ctr" anchorCtr="0" compatLnSpc="1">
+            <a:prstTxWarp prst="textNoShape">
+              <a:avLst/>
+            </a:prstTxWarp>
+            <a:spAutoFit/>
+          </a:bodyPr>
+          <a:lstStyle/>
+          <a:p>
+            <a:pPr marL="0" marR="0" lvl="0" indent="0" algn="l" defTabSz="914400" rtl="0" eaLnBrk="0" fontAlgn="base" latinLnBrk="0" hangingPunct="0">
+              <a:lnSpc>
+                <a:spcPct val="100000"/>
+              </a:lnSpc>
+              <a:spcBef>
+                <a:spcPct val="0"/>
+              </a:spcBef>
+              <a:spcAft>
+                <a:spcPct val="0"/>
+              </a:spcAft>
+              <a:buClrTx/>
+              <a:buSzTx/>
+              <a:buFontTx/>
+              <a:buNone/>
+              <a:tabLst/>
+            </a:pPr>
+            <a:r>
+              <a:rPr kumimoji="0" lang="en-US" altLang="en-US" sz="1600" b="1" i="0" u="none" strike="noStrike" cap="none" normalizeH="0" baseline="0" dirty="0" err="1">
+                <a:ln>
+                  <a:noFill/>
+                </a:ln>
+                <a:solidFill>
+                  <a:srgbClr val="333333"/>
+                </a:solidFill>
+                <a:effectLst/>
+                <a:latin typeface="Menlo"/>
+              </a:rPr>
+              <a:t>uname</a:t>
+            </a:r>
+            <a:r>
+              <a:rPr kumimoji="0" lang="en-US" altLang="en-US" sz="1600" b="1" i="0" u="none" strike="noStrike" cap="none" normalizeH="0" baseline="0" dirty="0">
+                <a:ln>
+                  <a:noFill/>
+                </a:ln>
+                <a:solidFill>
+                  <a:srgbClr val="333333"/>
+                </a:solidFill>
+                <a:effectLst/>
+                <a:latin typeface="Menlo"/>
+              </a:rPr>
+              <a:t> = </a:t>
+            </a:r>
+            <a:r>
+              <a:rPr kumimoji="0" lang="en-US" altLang="en-US" sz="1600" b="1" i="0" u="none" strike="noStrike" cap="none" normalizeH="0" baseline="0" dirty="0" err="1">
+                <a:ln>
+                  <a:noFill/>
+                </a:ln>
+                <a:solidFill>
+                  <a:srgbClr val="333333"/>
+                </a:solidFill>
+                <a:effectLst/>
+                <a:latin typeface="Menlo"/>
+              </a:rPr>
+              <a:t>getUName</a:t>
+            </a:r>
+            <a:r>
+              <a:rPr kumimoji="0" lang="en-US" altLang="en-US" sz="1600" b="1" i="0" u="none" strike="noStrike" cap="none" normalizeH="0" baseline="0" dirty="0">
+                <a:ln>
+                  <a:noFill/>
+                </a:ln>
+                <a:solidFill>
+                  <a:srgbClr val="333333"/>
+                </a:solidFill>
+                <a:effectLst/>
+                <a:latin typeface="Menlo"/>
+              </a:rPr>
+              <a:t>();</a:t>
+            </a:r>
+            <a:endParaRPr kumimoji="0" lang="en-US" altLang="en-US" sz="1600" b="0" i="0" u="none" strike="noStrike" cap="none" normalizeH="0" baseline="0" dirty="0">
+              <a:ln>
+                <a:noFill/>
+              </a:ln>
+              <a:solidFill>
+                <a:srgbClr val="333333"/>
+              </a:solidFill>
+              <a:effectLst/>
+              <a:latin typeface="Menlo"/>
+            </a:endParaRPr>
+          </a:p>
+          <a:p>
+            <a:pPr marL="0" marR="0" lvl="0" indent="0" algn="l" defTabSz="914400" rtl="0" eaLnBrk="0" fontAlgn="base" latinLnBrk="0" hangingPunct="0">
+              <a:lnSpc>
+                <a:spcPct val="100000"/>
+              </a:lnSpc>
+              <a:spcBef>
+                <a:spcPct val="0"/>
+              </a:spcBef>
+              <a:spcAft>
+                <a:spcPct val="0"/>
+              </a:spcAft>
+              <a:buClrTx/>
+              <a:buSzTx/>
+              <a:buFontTx/>
+              <a:buNone/>
+              <a:tabLst/>
+            </a:pPr>
+            <a:r>
+              <a:rPr kumimoji="0" lang="en-US" altLang="en-US" sz="1600" b="1" i="0" u="none" strike="noStrike" cap="none" normalizeH="0" baseline="0" dirty="0">
+                <a:ln>
+                  <a:noFill/>
+                </a:ln>
+                <a:solidFill>
+                  <a:srgbClr val="333333"/>
+                </a:solidFill>
+                <a:effectLst/>
+                <a:latin typeface="Menlo"/>
+              </a:rPr>
+              <a:t>passwd = </a:t>
+            </a:r>
+            <a:r>
+              <a:rPr kumimoji="0" lang="en-US" altLang="en-US" sz="1600" b="1" i="0" u="none" strike="noStrike" cap="none" normalizeH="0" baseline="0" dirty="0" err="1">
+                <a:ln>
+                  <a:noFill/>
+                </a:ln>
+                <a:solidFill>
+                  <a:srgbClr val="333333"/>
+                </a:solidFill>
+                <a:effectLst/>
+                <a:latin typeface="Menlo"/>
+              </a:rPr>
+              <a:t>getPassword</a:t>
+            </a:r>
+            <a:r>
+              <a:rPr kumimoji="0" lang="en-US" altLang="en-US" sz="1600" b="1" i="0" u="none" strike="noStrike" cap="none" normalizeH="0" baseline="0" dirty="0">
+                <a:ln>
+                  <a:noFill/>
+                </a:ln>
+                <a:solidFill>
+                  <a:srgbClr val="333333"/>
+                </a:solidFill>
+                <a:effectLst/>
+                <a:latin typeface="Menlo"/>
+              </a:rPr>
+              <a:t>();</a:t>
+            </a:r>
+          </a:p>
+          <a:p>
+            <a:pPr marL="0" marR="0" lvl="0" indent="0" algn="l" defTabSz="914400" rtl="0" eaLnBrk="0" fontAlgn="base" latinLnBrk="0" hangingPunct="0">
+              <a:lnSpc>
+                <a:spcPct val="100000"/>
+              </a:lnSpc>
+              <a:spcBef>
+                <a:spcPct val="0"/>
+              </a:spcBef>
+              <a:spcAft>
+                <a:spcPct val="0"/>
+              </a:spcAft>
+              <a:buClrTx/>
+              <a:buSzTx/>
+              <a:buFontTx/>
+              <a:buNone/>
+              <a:tabLst/>
+            </a:pPr>
+            <a:r>
+              <a:rPr kumimoji="0" lang="en-US" altLang="en-US" sz="1600" b="0" i="0" u="none" strike="noStrike" cap="none" normalizeH="0" baseline="0" dirty="0" err="1">
+                <a:ln>
+                  <a:noFill/>
+                </a:ln>
+                <a:solidFill>
+                  <a:srgbClr val="333333"/>
+                </a:solidFill>
+                <a:effectLst/>
+                <a:latin typeface="Menlo"/>
+              </a:rPr>
+              <a:t>sql</a:t>
+            </a:r>
+            <a:r>
+              <a:rPr kumimoji="0" lang="en-US" altLang="en-US" sz="1600" b="0" i="0" u="none" strike="noStrike" cap="none" normalizeH="0" baseline="0" dirty="0">
+                <a:ln>
+                  <a:noFill/>
+                </a:ln>
+                <a:solidFill>
+                  <a:srgbClr val="333333"/>
+                </a:solidFill>
+                <a:effectLst/>
+                <a:latin typeface="Menlo"/>
+              </a:rPr>
+              <a:t> = “SELECT id FROM users WHERE username=’” + </a:t>
+            </a:r>
+            <a:r>
+              <a:rPr kumimoji="0" lang="en-US" altLang="en-US" sz="1600" b="1" i="0" u="none" strike="noStrike" cap="none" normalizeH="0" baseline="0" dirty="0" err="1">
+                <a:ln>
+                  <a:noFill/>
+                </a:ln>
+                <a:solidFill>
+                  <a:srgbClr val="333333"/>
+                </a:solidFill>
+                <a:effectLst/>
+                <a:latin typeface="Menlo"/>
+              </a:rPr>
+              <a:t>uname</a:t>
+            </a:r>
+            <a:r>
+              <a:rPr kumimoji="0" lang="en-US" altLang="en-US" sz="1600" b="0" i="0" u="none" strike="noStrike" cap="none" normalizeH="0" baseline="0" dirty="0">
+                <a:ln>
+                  <a:noFill/>
+                </a:ln>
+                <a:solidFill>
+                  <a:srgbClr val="333333"/>
+                </a:solidFill>
+                <a:effectLst/>
+                <a:latin typeface="Menlo"/>
+              </a:rPr>
+              <a:t> + “’ AND password=’” + </a:t>
+            </a:r>
+            <a:r>
+              <a:rPr kumimoji="0" lang="en-US" altLang="en-US" sz="1600" b="1" i="0" u="none" strike="noStrike" cap="none" normalizeH="0" baseline="0" dirty="0">
+                <a:ln>
+                  <a:noFill/>
+                </a:ln>
+                <a:solidFill>
+                  <a:srgbClr val="333333"/>
+                </a:solidFill>
+                <a:effectLst/>
+                <a:latin typeface="Menlo"/>
+              </a:rPr>
+              <a:t>passwd</a:t>
+            </a:r>
+            <a:r>
+              <a:rPr kumimoji="0" lang="en-US" altLang="en-US" sz="1600" b="0" i="0" u="none" strike="noStrike" cap="none" normalizeH="0" baseline="0" dirty="0">
+                <a:ln>
+                  <a:noFill/>
+                </a:ln>
+                <a:solidFill>
+                  <a:srgbClr val="333333"/>
+                </a:solidFill>
+                <a:effectLst/>
+                <a:latin typeface="Menlo"/>
+              </a:rPr>
+              <a:t> + “’” </a:t>
+            </a:r>
+          </a:p>
+          <a:p>
+            <a:pPr marL="0" marR="0" lvl="0" indent="0" algn="l" defTabSz="914400" rtl="0" eaLnBrk="0" fontAlgn="base" latinLnBrk="0" hangingPunct="0">
+              <a:lnSpc>
+                <a:spcPct val="100000"/>
+              </a:lnSpc>
+              <a:spcBef>
+                <a:spcPct val="0"/>
+              </a:spcBef>
+              <a:spcAft>
+                <a:spcPct val="0"/>
+              </a:spcAft>
+              <a:buClrTx/>
+              <a:buSzTx/>
+              <a:buFontTx/>
+              <a:buNone/>
+              <a:tabLst/>
+            </a:pPr>
+            <a:r>
+              <a:rPr kumimoji="0" lang="en-US" altLang="en-US" sz="1600" b="0" i="0" u="none" strike="noStrike" cap="none" normalizeH="0" baseline="0" dirty="0" err="1">
+                <a:ln>
+                  <a:noFill/>
+                </a:ln>
+                <a:solidFill>
+                  <a:srgbClr val="333333"/>
+                </a:solidFill>
+                <a:effectLst/>
+                <a:latin typeface="Menlo"/>
+              </a:rPr>
+              <a:t>database.execute</a:t>
+            </a:r>
+            <a:r>
+              <a:rPr kumimoji="0" lang="en-US" altLang="en-US" sz="1600" b="0" i="0" u="none" strike="noStrike" cap="none" normalizeH="0" baseline="0" dirty="0">
+                <a:ln>
+                  <a:noFill/>
+                </a:ln>
+                <a:solidFill>
+                  <a:srgbClr val="333333"/>
+                </a:solidFill>
+                <a:effectLst/>
+                <a:latin typeface="Menlo"/>
+              </a:rPr>
+              <a:t>(</a:t>
+            </a:r>
+            <a:r>
+              <a:rPr kumimoji="0" lang="en-US" altLang="en-US" sz="1600" b="0" i="0" u="none" strike="noStrike" cap="none" normalizeH="0" baseline="0" dirty="0" err="1">
+                <a:ln>
+                  <a:noFill/>
+                </a:ln>
+                <a:solidFill>
+                  <a:srgbClr val="333333"/>
+                </a:solidFill>
+                <a:effectLst/>
+                <a:latin typeface="Menlo"/>
+              </a:rPr>
+              <a:t>sql</a:t>
+            </a:r>
+            <a:r>
+              <a:rPr kumimoji="0" lang="en-US" altLang="en-US" sz="1600" b="0" i="0" u="none" strike="noStrike" cap="none" normalizeH="0" baseline="0" dirty="0">
+                <a:ln>
+                  <a:noFill/>
+                </a:ln>
+                <a:solidFill>
+                  <a:srgbClr val="333333"/>
+                </a:solidFill>
+                <a:effectLst/>
+                <a:latin typeface="Menlo"/>
+              </a:rPr>
+              <a:t>)</a:t>
+            </a:r>
+            <a:r>
+              <a:rPr kumimoji="0" lang="en-US" altLang="en-US" sz="1600" b="0" i="0" u="none" strike="noStrike" cap="none" normalizeH="0" baseline="0" dirty="0">
+                <a:ln>
+                  <a:noFill/>
+                </a:ln>
+                <a:solidFill>
+                  <a:schemeClr val="tx1"/>
+                </a:solidFill>
+                <a:effectLst/>
+              </a:rPr>
+              <a:t> </a:t>
+            </a:r>
+            <a:endParaRPr kumimoji="0" lang="en-US" altLang="en-US" sz="1600" b="0" i="0" u="none" strike="noStrike" cap="none" normalizeH="0" baseline="0" dirty="0">
+              <a:ln>
+                <a:noFill/>
+              </a:ln>
+              <a:solidFill>
+                <a:schemeClr val="tx1"/>
+              </a:solidFill>
+              <a:effectLst/>
+              <a:latin typeface="Arial" panose="020B0604020202020204" pitchFamily="34" charset="0"/>
+            </a:endParaRPr>
+          </a:p>
+        </p:txBody>
+      </p:sp>
+      <p:sp>
+        <p:nvSpPr>
+          <p:cNvPr id="9" name="Rectangle 6">
+            <a:extLst>
+              <a:ext uri="{FF2B5EF4-FFF2-40B4-BE49-F238E27FC236}">
+                <a16:creationId xmlns:a16="http://schemas.microsoft.com/office/drawing/2014/main" id="{15C0468C-D365-4CC9-9957-AC48604139F3}"/>
+              </a:ext>
+            </a:extLst>
+          </p:cNvPr>
+          <p:cNvSpPr>
+            <a:spLocks noChangeArrowheads="1"/>
+          </p:cNvSpPr>
+          <p:nvPr/>
+        </p:nvSpPr>
+        <p:spPr bwMode="auto">
+          <a:xfrm>
+            <a:off x="946198" y="5059490"/>
+            <a:ext cx="10515600" cy="310321"/>
+          </a:xfrm>
+          <a:prstGeom prst="rect">
+            <a:avLst/>
+          </a:prstGeom>
+          <a:solidFill>
+            <a:srgbClr val="F5F5F5"/>
+          </a:solidFill>
+          <a:ln>
+            <a:noFill/>
+          </a:ln>
+          <a:effectLst/>
+          <a:extLst>
+            <a:ext uri="{91240B29-F687-4F45-9708-019B960494DF}">
+              <a14:hiddenLine xmlns:a14="http://schemas.microsoft.com/office/drawing/2010/main" w="9525">
+                <a:solidFill>
+                  <a:schemeClr val="tx1"/>
+                </a:solidFill>
+                <a:miter lim="800000"/>
+                <a:headEnd/>
+                <a:tailEnd/>
+              </a14:hiddenLine>
+            </a:ext>
+            <a:ext uri="{AF507438-7753-43E0-B8FC-AC1667EBCBE1}">
+              <a14:hiddenEffects xmlns:a14="http://schemas.microsoft.com/office/drawing/2010/main">
+                <a:effectLst>
+                  <a:outerShdw dist="35921" dir="2700000" algn="ctr" rotWithShape="0">
+                    <a:schemeClr val="bg2"/>
+                  </a:outerShdw>
+                </a:effectLst>
+              </a14:hiddenEffects>
+            </a:ext>
+          </a:extLst>
+        </p:spPr>
+        <p:txBody>
+          <a:bodyPr vert="horz" wrap="square" lIns="0" tIns="0" rIns="0" bIns="63480" numCol="1" anchor="ctr" anchorCtr="0" compatLnSpc="1">
+            <a:prstTxWarp prst="textNoShape">
+              <a:avLst/>
+            </a:prstTxWarp>
+            <a:spAutoFit/>
+          </a:bodyPr>
+          <a:lstStyle/>
+          <a:p>
+            <a:pPr marL="0" marR="0" lvl="0" indent="0" algn="l" defTabSz="914400" rtl="0" eaLnBrk="0" fontAlgn="base" latinLnBrk="0" hangingPunct="0">
+              <a:lnSpc>
+                <a:spcPct val="100000"/>
+              </a:lnSpc>
+              <a:spcBef>
+                <a:spcPct val="0"/>
+              </a:spcBef>
+              <a:spcAft>
+                <a:spcPct val="0"/>
+              </a:spcAft>
+              <a:buClrTx/>
+              <a:buSzTx/>
+              <a:buFontTx/>
+              <a:buNone/>
+              <a:tabLst/>
+            </a:pPr>
+            <a:r>
+              <a:rPr kumimoji="0" lang="en-US" altLang="en-US" sz="1600" b="0" i="0" u="none" strike="noStrike" cap="none" normalizeH="0" baseline="0" dirty="0">
+                <a:ln>
+                  <a:noFill/>
+                </a:ln>
+                <a:solidFill>
+                  <a:srgbClr val="333333"/>
+                </a:solidFill>
+                <a:effectLst/>
+                <a:latin typeface="Menlo"/>
+              </a:rPr>
+              <a:t>SELECT id FROM users WHERE username='username' AND password=</a:t>
+            </a:r>
+            <a:r>
+              <a:rPr kumimoji="0" lang="en-US" altLang="en-US" sz="1600" b="1" i="0" u="none" strike="noStrike" cap="none" normalizeH="0" baseline="0" dirty="0">
+                <a:ln>
+                  <a:noFill/>
+                </a:ln>
+                <a:solidFill>
+                  <a:srgbClr val="333333"/>
+                </a:solidFill>
+                <a:effectLst/>
+                <a:latin typeface="Menlo"/>
+              </a:rPr>
+              <a:t>'password' OR 1=1</a:t>
+            </a:r>
+            <a:r>
+              <a:rPr kumimoji="0" lang="en-US" altLang="en-US" sz="1600" b="0" i="0" u="none" strike="noStrike" cap="none" normalizeH="0" baseline="0" dirty="0">
+                <a:ln>
+                  <a:noFill/>
+                </a:ln>
+                <a:solidFill>
+                  <a:srgbClr val="333333"/>
+                </a:solidFill>
+                <a:effectLst/>
+                <a:latin typeface="Menlo"/>
+              </a:rPr>
+              <a:t>’</a:t>
+            </a:r>
+          </a:p>
+        </p:txBody>
+      </p:sp>
+      <p:sp>
+        <p:nvSpPr>
+          <p:cNvPr id="11" name="Rectangle 4">
+            <a:extLst>
+              <a:ext uri="{FF2B5EF4-FFF2-40B4-BE49-F238E27FC236}">
+                <a16:creationId xmlns:a16="http://schemas.microsoft.com/office/drawing/2014/main" id="{4BA3EB3B-48C4-4490-9432-ECE0F2BCD614}"/>
+              </a:ext>
+            </a:extLst>
+          </p:cNvPr>
+          <p:cNvSpPr>
+            <a:spLocks noChangeArrowheads="1"/>
+          </p:cNvSpPr>
+          <p:nvPr/>
+        </p:nvSpPr>
+        <p:spPr bwMode="auto">
+          <a:xfrm>
+            <a:off x="946198" y="4563975"/>
+            <a:ext cx="10515600" cy="338554"/>
+          </a:xfrm>
+          <a:prstGeom prst="rect">
+            <a:avLst/>
+          </a:prstGeom>
+          <a:ln>
+            <a:noFill/>
+          </a:ln>
+        </p:spPr>
+        <p:style>
+          <a:lnRef idx="2">
+            <a:schemeClr val="dk1"/>
+          </a:lnRef>
+          <a:fillRef idx="1">
+            <a:schemeClr val="lt1"/>
+          </a:fillRef>
+          <a:effectRef idx="0">
+            <a:schemeClr val="dk1"/>
+          </a:effectRef>
+          <a:fontRef idx="minor">
+            <a:schemeClr val="dk1"/>
+          </a:fontRef>
+        </p:style>
+        <p:txBody>
+          <a:bodyPr vert="horz" wrap="square" lIns="91440" tIns="45720" rIns="91440" bIns="45720" numCol="1" anchor="ctr" anchorCtr="0" compatLnSpc="1">
+            <a:prstTxWarp prst="textNoShape">
+              <a:avLst/>
+            </a:prstTxWarp>
+            <a:spAutoFit/>
+          </a:bodyPr>
+          <a:lstStyle>
+            <a:lvl1pPr eaLnBrk="0" fontAlgn="base" hangingPunct="0">
+              <a:spcBef>
+                <a:spcPct val="0"/>
+              </a:spcBef>
+              <a:spcAft>
+                <a:spcPct val="0"/>
+              </a:spcAft>
+              <a:defRPr>
+                <a:solidFill>
+                  <a:schemeClr val="tx1"/>
+                </a:solidFill>
+                <a:latin typeface="Arial" panose="020B0604020202020204" pitchFamily="34" charset="0"/>
+              </a:defRPr>
+            </a:lvl1pPr>
+            <a:lvl2pPr eaLnBrk="0" fontAlgn="base" hangingPunct="0">
+              <a:spcBef>
+                <a:spcPct val="0"/>
+              </a:spcBef>
+              <a:spcAft>
+                <a:spcPct val="0"/>
+              </a:spcAft>
+              <a:defRPr>
+                <a:solidFill>
+                  <a:schemeClr val="tx1"/>
+                </a:solidFill>
+                <a:latin typeface="Arial" panose="020B0604020202020204" pitchFamily="34" charset="0"/>
+              </a:defRPr>
+            </a:lvl2pPr>
+            <a:lvl3pPr eaLnBrk="0" fontAlgn="base" hangingPunct="0">
+              <a:spcBef>
+                <a:spcPct val="0"/>
+              </a:spcBef>
+              <a:spcAft>
+                <a:spcPct val="0"/>
+              </a:spcAft>
+              <a:defRPr>
+                <a:solidFill>
+                  <a:schemeClr val="tx1"/>
+                </a:solidFill>
+                <a:latin typeface="Arial" panose="020B0604020202020204" pitchFamily="34" charset="0"/>
+              </a:defRPr>
+            </a:lvl3pPr>
+            <a:lvl4pPr eaLnBrk="0" fontAlgn="base" hangingPunct="0">
+              <a:spcBef>
+                <a:spcPct val="0"/>
+              </a:spcBef>
+              <a:spcAft>
+                <a:spcPct val="0"/>
+              </a:spcAft>
+              <a:defRPr>
+                <a:solidFill>
+                  <a:schemeClr val="tx1"/>
+                </a:solidFill>
+                <a:latin typeface="Arial" panose="020B0604020202020204" pitchFamily="34" charset="0"/>
+              </a:defRPr>
+            </a:lvl4pPr>
+            <a:lvl5pPr eaLnBrk="0" fontAlgn="base" hangingPunct="0">
+              <a:spcBef>
+                <a:spcPct val="0"/>
+              </a:spcBef>
+              <a:spcAft>
+                <a:spcPct val="0"/>
+              </a:spcAft>
+              <a:defRPr>
+                <a:solidFill>
+                  <a:schemeClr val="tx1"/>
+                </a:solidFill>
+                <a:latin typeface="Arial" panose="020B0604020202020204" pitchFamily="34" charset="0"/>
+              </a:defRPr>
+            </a:lvl5pPr>
+            <a:lvl6pPr eaLnBrk="0" fontAlgn="base" hangingPunct="0">
+              <a:spcBef>
+                <a:spcPct val="0"/>
+              </a:spcBef>
+              <a:spcAft>
+                <a:spcPct val="0"/>
+              </a:spcAft>
+              <a:defRPr>
+                <a:solidFill>
+                  <a:schemeClr val="tx1"/>
+                </a:solidFill>
+                <a:latin typeface="Arial" panose="020B0604020202020204" pitchFamily="34" charset="0"/>
+              </a:defRPr>
+            </a:lvl6pPr>
+            <a:lvl7pPr eaLnBrk="0" fontAlgn="base" hangingPunct="0">
+              <a:spcBef>
+                <a:spcPct val="0"/>
+              </a:spcBef>
+              <a:spcAft>
+                <a:spcPct val="0"/>
+              </a:spcAft>
+              <a:defRPr>
+                <a:solidFill>
+                  <a:schemeClr val="tx1"/>
+                </a:solidFill>
+                <a:latin typeface="Arial" panose="020B0604020202020204" pitchFamily="34" charset="0"/>
+              </a:defRPr>
+            </a:lvl7pPr>
+            <a:lvl8pPr eaLnBrk="0" fontAlgn="base" hangingPunct="0">
+              <a:spcBef>
+                <a:spcPct val="0"/>
+              </a:spcBef>
+              <a:spcAft>
+                <a:spcPct val="0"/>
+              </a:spcAft>
+              <a:defRPr>
+                <a:solidFill>
+                  <a:schemeClr val="tx1"/>
+                </a:solidFill>
+                <a:latin typeface="Arial" panose="020B0604020202020204" pitchFamily="34" charset="0"/>
+              </a:defRPr>
+            </a:lvl8pPr>
+            <a:lvl9pPr eaLnBrk="0" fontAlgn="base" hangingPunct="0">
+              <a:spcBef>
+                <a:spcPct val="0"/>
+              </a:spcBef>
+              <a:spcAft>
+                <a:spcPct val="0"/>
+              </a:spcAft>
+              <a:defRPr>
+                <a:solidFill>
+                  <a:schemeClr val="tx1"/>
+                </a:solidFill>
+                <a:latin typeface="Arial" panose="020B0604020202020204" pitchFamily="34" charset="0"/>
+              </a:defRPr>
+            </a:lvl9pPr>
+          </a:lstStyle>
+          <a:p>
+            <a:pPr lvl="0" algn="just"/>
+            <a:r>
+              <a:rPr lang="en-US" sz="1600" dirty="0">
+                <a:latin typeface="Open Sans" panose="020B0606030504020204" pitchFamily="34" charset="0"/>
+                <a:ea typeface="Open Sans" panose="020B0606030504020204" pitchFamily="34" charset="0"/>
+                <a:cs typeface="Open Sans" panose="020B0606030504020204" pitchFamily="34" charset="0"/>
+              </a:rPr>
+              <a:t> As a result, the database server runs the following SQL query:</a:t>
+            </a:r>
+            <a:endParaRPr kumimoji="0" lang="en-US" altLang="en-US" sz="1600" b="0" i="0" u="none" strike="noStrike" cap="none" normalizeH="0" baseline="0" dirty="0">
+              <a:ln>
+                <a:noFill/>
+              </a:ln>
+              <a:solidFill>
+                <a:schemeClr val="tx1"/>
+              </a:solidFill>
+              <a:effectLst/>
+              <a:latin typeface="Arial" panose="020B0604020202020204" pitchFamily="34" charset="0"/>
+            </a:endParaRPr>
+          </a:p>
+        </p:txBody>
+      </p:sp>
+    </p:spTree>
+    <p:extLst>
+      <p:ext uri="{BB962C8B-B14F-4D97-AF65-F5344CB8AC3E}">
+        <p14:creationId xmlns:p14="http://schemas.microsoft.com/office/powerpoint/2010/main" val="643101166"/>
+      </p:ext>
+    </p:extLst>
+  </p:cSld>
+  <p:clrMapOvr>
+    <a:masterClrMapping/>
+  </p:clrMapOvr>
+  <p:timing>
+    <p:tnLst>
+      <p:par>
+        <p:cTn id="1" dur="indefinite" restart="never" nodeType="tmRoot">
+          <p:childTnLst>
+            <p:seq concurrent="1" nextAc="seek">
+              <p:cTn id="2" dur="indefinite" nodeType="mainSeq">
+                <p:childTnLst>
+                  <p:par>
+                    <p:cTn id="3" fill="hold">
+                      <p:stCondLst>
+                        <p:cond delay="indefinite"/>
+                      </p:stCondLst>
+                      <p:childTnLst>
+                        <p:par>
+                          <p:cTn id="4" fill="hold">
+                            <p:stCondLst>
+                              <p:cond delay="0"/>
+                            </p:stCondLst>
+                            <p:childTnLst>
+                              <p:par>
+                                <p:cTn id="5" presetID="1" presetClass="entr" presetSubtype="0" fill="hold" grpId="0" nodeType="clickEffect">
+                                  <p:stCondLst>
+                                    <p:cond delay="0"/>
+                                  </p:stCondLst>
+                                  <p:childTnLst>
+                                    <p:set>
+                                      <p:cBhvr>
+                                        <p:cTn id="6" dur="1" fill="hold">
+                                          <p:stCondLst>
+                                            <p:cond delay="0"/>
+                                          </p:stCondLst>
+                                        </p:cTn>
+                                        <p:tgtEl>
+                                          <p:spTgt spid="5"/>
+                                        </p:tgtEl>
+                                        <p:attrNameLst>
+                                          <p:attrName>style.visibility</p:attrName>
+                                        </p:attrNameLst>
+                                      </p:cBhvr>
+                                      <p:to>
+                                        <p:strVal val="visible"/>
+                                      </p:to>
+                                    </p:set>
+                                  </p:childTnLst>
+                                </p:cTn>
+                              </p:par>
+                            </p:childTnLst>
+                          </p:cTn>
+                        </p:par>
+                      </p:childTnLst>
+                    </p:cTn>
+                  </p:par>
+                  <p:par>
+                    <p:cTn id="7" fill="hold">
+                      <p:stCondLst>
+                        <p:cond delay="indefinite"/>
+                      </p:stCondLst>
+                      <p:childTnLst>
+                        <p:par>
+                          <p:cTn id="8" fill="hold">
+                            <p:stCondLst>
+                              <p:cond delay="0"/>
+                            </p:stCondLst>
+                            <p:childTnLst>
+                              <p:par>
+                                <p:cTn id="9" presetID="1" presetClass="entr" presetSubtype="0" fill="hold" grpId="0" nodeType="clickEffect">
+                                  <p:stCondLst>
+                                    <p:cond delay="0"/>
+                                  </p:stCondLst>
+                                  <p:childTnLst>
+                                    <p:set>
+                                      <p:cBhvr>
+                                        <p:cTn id="10" dur="1" fill="hold">
+                                          <p:stCondLst>
+                                            <p:cond delay="0"/>
+                                          </p:stCondLst>
+                                        </p:cTn>
+                                        <p:tgtEl>
+                                          <p:spTgt spid="7"/>
+                                        </p:tgtEl>
+                                        <p:attrNameLst>
+                                          <p:attrName>style.visibility</p:attrName>
+                                        </p:attrNameLst>
+                                      </p:cBhvr>
+                                      <p:to>
+                                        <p:strVal val="visible"/>
+                                      </p:to>
+                                    </p:set>
+                                  </p:childTnLst>
+                                </p:cTn>
+                              </p:par>
+                            </p:childTnLst>
+                          </p:cTn>
+                        </p:par>
+                      </p:childTnLst>
+                    </p:cTn>
+                  </p:par>
+                  <p:par>
+                    <p:cTn id="11" fill="hold">
+                      <p:stCondLst>
+                        <p:cond delay="indefinite"/>
+                      </p:stCondLst>
+                      <p:childTnLst>
+                        <p:par>
+                          <p:cTn id="12" fill="hold">
+                            <p:stCondLst>
+                              <p:cond delay="0"/>
+                            </p:stCondLst>
+                            <p:childTnLst>
+                              <p:par>
+                                <p:cTn id="13" presetID="1" presetClass="entr" presetSubtype="0" fill="hold" grpId="0" nodeType="clickEffect">
+                                  <p:stCondLst>
+                                    <p:cond delay="0"/>
+                                  </p:stCondLst>
+                                  <p:childTnLst>
+                                    <p:set>
+                                      <p:cBhvr>
+                                        <p:cTn id="14" dur="1" fill="hold">
+                                          <p:stCondLst>
+                                            <p:cond delay="0"/>
+                                          </p:stCondLst>
+                                        </p:cTn>
+                                        <p:tgtEl>
+                                          <p:spTgt spid="8"/>
+                                        </p:tgtEl>
+                                        <p:attrNameLst>
+                                          <p:attrName>style.visibility</p:attrName>
+                                        </p:attrNameLst>
+                                      </p:cBhvr>
+                                      <p:to>
+                                        <p:strVal val="visible"/>
+                                      </p:to>
+                                    </p:set>
+                                  </p:childTnLst>
+                                </p:cTn>
+                              </p:par>
+                            </p:childTnLst>
+                          </p:cTn>
+                        </p:par>
+                      </p:childTnLst>
+                    </p:cTn>
+                  </p:par>
+                  <p:par>
+                    <p:cTn id="15" fill="hold">
+                      <p:stCondLst>
+                        <p:cond delay="indefinite"/>
+                      </p:stCondLst>
+                      <p:childTnLst>
+                        <p:par>
+                          <p:cTn id="16" fill="hold">
+                            <p:stCondLst>
+                              <p:cond delay="0"/>
+                            </p:stCondLst>
+                            <p:childTnLst>
+                              <p:par>
+                                <p:cTn id="17" presetID="1" presetClass="entr" presetSubtype="0" fill="hold" grpId="0" nodeType="clickEffect">
+                                  <p:stCondLst>
+                                    <p:cond delay="0"/>
+                                  </p:stCondLst>
+                                  <p:childTnLst>
+                                    <p:set>
+                                      <p:cBhvr>
+                                        <p:cTn id="18" dur="1" fill="hold">
+                                          <p:stCondLst>
+                                            <p:cond delay="0"/>
+                                          </p:stCondLst>
+                                        </p:cTn>
+                                        <p:tgtEl>
+                                          <p:spTgt spid="11"/>
+                                        </p:tgtEl>
+                                        <p:attrNameLst>
+                                          <p:attrName>style.visibility</p:attrName>
+                                        </p:attrNameLst>
+                                      </p:cBhvr>
+                                      <p:to>
+                                        <p:strVal val="visible"/>
+                                      </p:to>
+                                    </p:set>
+                                  </p:childTnLst>
+                                </p:cTn>
+                              </p:par>
+                            </p:childTnLst>
+                          </p:cTn>
+                        </p:par>
+                      </p:childTnLst>
+                    </p:cTn>
+                  </p:par>
+                  <p:par>
+                    <p:cTn id="19" fill="hold">
+                      <p:stCondLst>
+                        <p:cond delay="indefinite"/>
+                      </p:stCondLst>
+                      <p:childTnLst>
+                        <p:par>
+                          <p:cTn id="20" fill="hold">
+                            <p:stCondLst>
+                              <p:cond delay="0"/>
+                            </p:stCondLst>
+                            <p:childTnLst>
+                              <p:par>
+                                <p:cTn id="21" presetID="1" presetClass="entr" presetSubtype="0" fill="hold" grpId="0" nodeType="clickEffect">
+                                  <p:stCondLst>
+                                    <p:cond delay="0"/>
+                                  </p:stCondLst>
+                                  <p:childTnLst>
+                                    <p:set>
+                                      <p:cBhvr>
+                                        <p:cTn id="22" dur="1" fill="hold">
+                                          <p:stCondLst>
+                                            <p:cond delay="0"/>
+                                          </p:stCondLst>
+                                        </p:cTn>
+                                        <p:tgtEl>
+                                          <p:spTgt spid="9"/>
+                                        </p:tgtEl>
+                                        <p:attrNameLst>
+                                          <p:attrName>style.visibility</p:attrName>
+                                        </p:attrNameLst>
+                                      </p:cBhvr>
+                                      <p:to>
+                                        <p:strVal val="visible"/>
+                                      </p:to>
+                                    </p:set>
+                                  </p:childTnLst>
+                                </p:cTn>
+                              </p:par>
+                            </p:childTnLst>
+                          </p:cTn>
+                        </p:par>
+                      </p:childTnLst>
+                    </p:cTn>
+                  </p:par>
+                  <p:par>
+                    <p:cTn id="23" fill="hold">
+                      <p:stCondLst>
+                        <p:cond delay="indefinite"/>
+                      </p:stCondLst>
+                      <p:childTnLst>
+                        <p:par>
+                          <p:cTn id="24" fill="hold">
+                            <p:stCondLst>
+                              <p:cond delay="0"/>
+                            </p:stCondLst>
+                            <p:childTnLst>
+                              <p:par>
+                                <p:cTn id="25" presetID="1" presetClass="entr" presetSubtype="0" fill="hold" grpId="0" nodeType="clickEffect">
+                                  <p:stCondLst>
+                                    <p:cond delay="0"/>
+                                  </p:stCondLst>
+                                  <p:childTnLst>
+                                    <p:set>
+                                      <p:cBhvr>
+                                        <p:cTn id="26" dur="1" fill="hold">
+                                          <p:stCondLst>
+                                            <p:cond delay="0"/>
+                                          </p:stCondLst>
+                                        </p:cTn>
+                                        <p:tgtEl>
+                                          <p:spTgt spid="10"/>
+                                        </p:tgtEl>
+                                        <p:attrNameLst>
+                                          <p:attrName>style.visibility</p:attrName>
+                                        </p:attrNameLst>
+                                      </p:cBhvr>
+                                      <p:to>
+                                        <p:strVal val="visible"/>
+                                      </p:to>
+                                    </p:set>
+                                  </p:childTnLst>
+                                </p:cTn>
+                              </p:par>
+                            </p:childTnLst>
+                          </p:cTn>
+                        </p:par>
+                      </p:childTnLst>
+                    </p:cTn>
+                  </p:par>
+                </p:childTnLst>
+              </p:cTn>
+              <p:prevCondLst>
+                <p:cond evt="onPrev" delay="0">
+                  <p:tgtEl>
+                    <p:sldTgt/>
+                  </p:tgtEl>
+                </p:cond>
+              </p:prevCondLst>
+              <p:nextCondLst>
+                <p:cond evt="onNext" delay="0">
+                  <p:tgtEl>
+                    <p:sldTgt/>
+                  </p:tgtEl>
+                </p:cond>
+              </p:nextCondLst>
+            </p:seq>
+          </p:childTnLst>
+        </p:cTn>
+      </p:par>
+    </p:tnLst>
+    <p:bldLst>
+      <p:bldP spid="7" grpId="0" animBg="1"/>
+      <p:bldP spid="8" grpId="0" animBg="1"/>
+      <p:bldP spid="10" grpId="0" animBg="1"/>
+      <p:bldP spid="5" grpId="0" animBg="1"/>
+      <p:bldP spid="9" grpId="0" animBg="1"/>
+      <p:bldP spid="11" grpId="0" animBg="1"/>
+    </p:bldLst>
+  </p:timing>
+</p:sld>
+</file>
+
+<file path=ppt/slides/slide9.xml><?xml version="1.0" encoding="utf-8"?>
+<p:sld xmlns:a="http://schemas.openxmlformats.org/drawingml/2006/main" xmlns:r="http://schemas.openxmlformats.org/officeDocument/2006/relationships" xmlns:p="http://schemas.openxmlformats.org/presentationml/2006/main">
+  <p:cSld>
+    <p:spTree>
+      <p:nvGrpSpPr>
+        <p:cNvPr id="1" name=""/>
+        <p:cNvGrpSpPr/>
+        <p:nvPr/>
+      </p:nvGrpSpPr>
+      <p:grpSpPr>
+        <a:xfrm>
+          <a:off x="0" y="0"/>
+          <a:ext cx="0" cy="0"/>
+          <a:chOff x="0" y="0"/>
+          <a:chExt cx="0" cy="0"/>
+        </a:xfrm>
+      </p:grpSpPr>
+      <p:sp>
+        <p:nvSpPr>
+          <p:cNvPr id="2" name="Title 1">
+            <a:extLst>
+              <a:ext uri="{FF2B5EF4-FFF2-40B4-BE49-F238E27FC236}">
+                <a16:creationId xmlns:a16="http://schemas.microsoft.com/office/drawing/2014/main" id="{BF8439C0-EEED-49F6-81F5-4281ADEC38C2}"/>
+              </a:ext>
+            </a:extLst>
+          </p:cNvPr>
+          <p:cNvSpPr>
+            <a:spLocks noGrp="1"/>
+          </p:cNvSpPr>
+          <p:nvPr>
+            <p:ph type="title"/>
+          </p:nvPr>
+        </p:nvSpPr>
+        <p:spPr>
+          <a:xfrm>
+            <a:off x="838200" y="365126"/>
+            <a:ext cx="10515600" cy="724203"/>
+          </a:xfrm>
+        </p:spPr>
+        <p:txBody>
+          <a:bodyPr/>
+          <a:lstStyle/>
+          <a:p>
+            <a:r>
+              <a:rPr lang="en-US" dirty="0">
+                <a:latin typeface="Franklin Gothic Book" panose="020B0503020102020204" pitchFamily="34" charset="0"/>
+              </a:rPr>
+              <a:t>Types of SQL Injection</a:t>
+            </a:r>
+          </a:p>
+        </p:txBody>
+      </p:sp>
+      <p:sp>
+        <p:nvSpPr>
+          <p:cNvPr id="3" name="Content Placeholder 2">
+            <a:extLst>
+              <a:ext uri="{FF2B5EF4-FFF2-40B4-BE49-F238E27FC236}">
+                <a16:creationId xmlns:a16="http://schemas.microsoft.com/office/drawing/2014/main" id="{53450A49-8B9B-47DA-A813-07A9431609BC}"/>
+              </a:ext>
+            </a:extLst>
+          </p:cNvPr>
+          <p:cNvSpPr>
+            <a:spLocks noGrp="1"/>
+          </p:cNvSpPr>
+          <p:nvPr>
+            <p:ph idx="1"/>
+          </p:nvPr>
+        </p:nvSpPr>
+        <p:spPr>
+          <a:xfrm>
+            <a:off x="838200" y="1375576"/>
+            <a:ext cx="10515600" cy="4801387"/>
+          </a:xfrm>
+        </p:spPr>
+        <p:txBody>
+          <a:bodyPr>
+            <a:normAutofit/>
+          </a:bodyPr>
+          <a:lstStyle/>
+          <a:p>
+            <a:pPr marL="0" indent="0">
+              <a:buNone/>
+            </a:pPr>
+            <a:r>
+              <a:rPr lang="en-US" dirty="0"/>
+              <a:t>SQL Injection can be classified into three major categories –</a:t>
+            </a:r>
+          </a:p>
+          <a:p>
+            <a:pPr marL="514350" indent="-514350">
+              <a:buFont typeface="+mj-lt"/>
+              <a:buAutoNum type="arabicPeriod"/>
+            </a:pPr>
+            <a:r>
+              <a:rPr lang="en-US" b="1" dirty="0"/>
+              <a:t>In-band </a:t>
+            </a:r>
+            <a:r>
+              <a:rPr lang="en-US" b="1" dirty="0" err="1"/>
+              <a:t>SQLi</a:t>
+            </a:r>
+            <a:r>
+              <a:rPr lang="en-US" b="1" dirty="0"/>
+              <a:t> : </a:t>
+            </a:r>
+            <a:r>
+              <a:rPr lang="en-US" dirty="0"/>
+              <a:t> In-band SQL Injection occurs when an attacker is able to use the same communication channel to both launch the attack and gather results.</a:t>
+            </a:r>
+          </a:p>
+          <a:p>
+            <a:pPr marL="1028700" lvl="1" indent="-571500">
+              <a:buFont typeface="+mj-lt"/>
+              <a:buAutoNum type="romanUcPeriod"/>
+            </a:pPr>
+            <a:r>
+              <a:rPr lang="en-US" sz="2800" b="1" dirty="0"/>
+              <a:t>Error-based </a:t>
+            </a:r>
+            <a:r>
+              <a:rPr lang="en-US" sz="2800" b="1" dirty="0" err="1"/>
+              <a:t>SQLi</a:t>
+            </a:r>
+            <a:r>
+              <a:rPr lang="en-US" sz="2800" b="1" dirty="0"/>
+              <a:t> </a:t>
+            </a:r>
+            <a:r>
+              <a:rPr lang="en-US" sz="2800" dirty="0"/>
+              <a:t>: Error-based </a:t>
+            </a:r>
+            <a:r>
+              <a:rPr lang="en-US" sz="2800" dirty="0" err="1"/>
+              <a:t>SQLi</a:t>
+            </a:r>
+            <a:r>
+              <a:rPr lang="en-US" sz="2800" dirty="0"/>
+              <a:t> relies on error messages thrown by the database server to obtain information about the structure of the database</a:t>
+            </a:r>
+          </a:p>
+          <a:p>
+            <a:pPr marL="971550" lvl="1" indent="-514350">
+              <a:buFont typeface="+mj-lt"/>
+              <a:buAutoNum type="romanUcPeriod"/>
+            </a:pPr>
+            <a:r>
+              <a:rPr lang="en-US" sz="2800" b="1" dirty="0"/>
+              <a:t>Union-based </a:t>
+            </a:r>
+            <a:r>
+              <a:rPr lang="en-US" sz="2800" b="1" dirty="0" err="1"/>
+              <a:t>SQLi</a:t>
+            </a:r>
+            <a:r>
+              <a:rPr lang="en-US" sz="2800" b="1" dirty="0"/>
+              <a:t> </a:t>
+            </a:r>
+            <a:r>
+              <a:rPr lang="en-US" sz="2800" dirty="0"/>
+              <a:t>: Union-based </a:t>
+            </a:r>
+            <a:r>
+              <a:rPr lang="en-US" sz="2800" dirty="0" err="1"/>
+              <a:t>SQLi</a:t>
+            </a:r>
+            <a:r>
+              <a:rPr lang="en-US" sz="2800" dirty="0"/>
+              <a:t> leverages the UNION SQL operator to combine the results of two or more SELECT statements into a single result.</a:t>
+            </a:r>
+            <a:endParaRPr lang="en-US" sz="2800" b="1" dirty="0"/>
+          </a:p>
+        </p:txBody>
+      </p:sp>
+    </p:spTree>
+    <p:extLst>
+      <p:ext uri="{BB962C8B-B14F-4D97-AF65-F5344CB8AC3E}">
+        <p14:creationId xmlns:p14="http://schemas.microsoft.com/office/powerpoint/2010/main" val="4195192425"/>
+      </p:ext>
+    </p:extLst>
+  </p:cSld>
+  <p:clrMapOvr>
+    <a:masterClrMapping/>
+  </p:clrMapOvr>
 </p:sld>
 </file>
 
